--- a/第4章- OGR开源库及矢量数据处理-6课时/第4章-OGR开源库及矢量数据处理-8学时.pptx
+++ b/第4章- OGR开源库及矢量数据处理-6课时/第4章-OGR开源库及矢量数据处理-8学时.pptx
@@ -6,10 +6,10 @@
     <p:sldMasterId id="2147484986" r:id="rId2"/>
   </p:sldMasterIdLst>
   <p:notesMasterIdLst>
-    <p:notesMasterId r:id="rId26"/>
+    <p:notesMasterId r:id="rId25"/>
   </p:notesMasterIdLst>
   <p:handoutMasterIdLst>
-    <p:handoutMasterId r:id="rId27"/>
+    <p:handoutMasterId r:id="rId26"/>
   </p:handoutMasterIdLst>
   <p:sldIdLst>
     <p:sldId id="2764" r:id="rId3"/>
@@ -31,15 +31,14 @@
     <p:sldId id="2772" r:id="rId19"/>
     <p:sldId id="2779" r:id="rId20"/>
     <p:sldId id="2778" r:id="rId21"/>
-    <p:sldId id="2783" r:id="rId22"/>
-    <p:sldId id="2781" r:id="rId23"/>
-    <p:sldId id="2742" r:id="rId24"/>
-    <p:sldId id="2782" r:id="rId25"/>
+    <p:sldId id="2781" r:id="rId22"/>
+    <p:sldId id="2742" r:id="rId23"/>
+    <p:sldId id="2782" r:id="rId24"/>
   </p:sldIdLst>
   <p:sldSz cx="9144000" cy="6858000" type="screen4x3"/>
   <p:notesSz cx="7099300" cy="10234613"/>
   <p:custDataLst>
-    <p:tags r:id="rId28"/>
+    <p:tags r:id="rId27"/>
   </p:custDataLst>
   <p:defaultTextStyle>
     <a:defPPr>
@@ -2915,350 +2914,6 @@
     </pc:docChg>
   </pc:docChgLst>
   <pc:docChgLst>
-    <pc:chgData name="Xin Luo" userId="82312ee5779919a4" providerId="LiveId" clId="{23920C8D-EBCE-A347-9C82-C14316D20539}"/>
-    <pc:docChg chg="undo custSel addSld modSld">
-      <pc:chgData name="Xin Luo" userId="82312ee5779919a4" providerId="LiveId" clId="{23920C8D-EBCE-A347-9C82-C14316D20539}" dt="2022-10-26T12:19:06.428" v="501" actId="767"/>
-      <pc:docMkLst>
-        <pc:docMk/>
-      </pc:docMkLst>
-      <pc:sldChg chg="modSp mod">
-        <pc:chgData name="Xin Luo" userId="82312ee5779919a4" providerId="LiveId" clId="{23920C8D-EBCE-A347-9C82-C14316D20539}" dt="2022-10-10T01:06:29.261" v="368" actId="404"/>
-        <pc:sldMkLst>
-          <pc:docMk/>
-          <pc:sldMk cId="1576120367" sldId="2387"/>
-        </pc:sldMkLst>
-        <pc:spChg chg="mod">
-          <ac:chgData name="Xin Luo" userId="82312ee5779919a4" providerId="LiveId" clId="{23920C8D-EBCE-A347-9C82-C14316D20539}" dt="2022-10-10T01:06:29.261" v="368" actId="404"/>
-          <ac:spMkLst>
-            <pc:docMk/>
-            <pc:sldMk cId="1576120367" sldId="2387"/>
-            <ac:spMk id="10" creationId="{00000000-0000-0000-0000-000000000000}"/>
-          </ac:spMkLst>
-        </pc:spChg>
-        <pc:spChg chg="mod">
-          <ac:chgData name="Xin Luo" userId="82312ee5779919a4" providerId="LiveId" clId="{23920C8D-EBCE-A347-9C82-C14316D20539}" dt="2022-10-10T01:06:13.262" v="366" actId="403"/>
-          <ac:spMkLst>
-            <pc:docMk/>
-            <pc:sldMk cId="1576120367" sldId="2387"/>
-            <ac:spMk id="12" creationId="{00000000-0000-0000-0000-000000000000}"/>
-          </ac:spMkLst>
-        </pc:spChg>
-        <pc:spChg chg="mod">
-          <ac:chgData name="Xin Luo" userId="82312ee5779919a4" providerId="LiveId" clId="{23920C8D-EBCE-A347-9C82-C14316D20539}" dt="2022-10-10T01:06:29.261" v="368" actId="404"/>
-          <ac:spMkLst>
-            <pc:docMk/>
-            <pc:sldMk cId="1576120367" sldId="2387"/>
-            <ac:spMk id="13" creationId="{00000000-0000-0000-0000-000000000000}"/>
-          </ac:spMkLst>
-        </pc:spChg>
-        <pc:spChg chg="mod">
-          <ac:chgData name="Xin Luo" userId="82312ee5779919a4" providerId="LiveId" clId="{23920C8D-EBCE-A347-9C82-C14316D20539}" dt="2022-10-10T01:06:13.262" v="366" actId="403"/>
-          <ac:spMkLst>
-            <pc:docMk/>
-            <pc:sldMk cId="1576120367" sldId="2387"/>
-            <ac:spMk id="14" creationId="{00000000-0000-0000-0000-000000000000}"/>
-          </ac:spMkLst>
-        </pc:spChg>
-        <pc:spChg chg="mod">
-          <ac:chgData name="Xin Luo" userId="82312ee5779919a4" providerId="LiveId" clId="{23920C8D-EBCE-A347-9C82-C14316D20539}" dt="2022-10-10T01:06:29.261" v="368" actId="404"/>
-          <ac:spMkLst>
-            <pc:docMk/>
-            <pc:sldMk cId="1576120367" sldId="2387"/>
-            <ac:spMk id="15" creationId="{00000000-0000-0000-0000-000000000000}"/>
-          </ac:spMkLst>
-        </pc:spChg>
-        <pc:spChg chg="mod">
-          <ac:chgData name="Xin Luo" userId="82312ee5779919a4" providerId="LiveId" clId="{23920C8D-EBCE-A347-9C82-C14316D20539}" dt="2022-10-10T01:06:19.369" v="367" actId="14100"/>
-          <ac:spMkLst>
-            <pc:docMk/>
-            <pc:sldMk cId="1576120367" sldId="2387"/>
-            <ac:spMk id="16" creationId="{00000000-0000-0000-0000-000000000000}"/>
-          </ac:spMkLst>
-        </pc:spChg>
-      </pc:sldChg>
-      <pc:sldChg chg="modSp mod">
-        <pc:chgData name="Xin Luo" userId="82312ee5779919a4" providerId="LiveId" clId="{23920C8D-EBCE-A347-9C82-C14316D20539}" dt="2022-10-10T01:06:39.449" v="369" actId="403"/>
-        <pc:sldMkLst>
-          <pc:docMk/>
-          <pc:sldMk cId="2415901206" sldId="2447"/>
-        </pc:sldMkLst>
-        <pc:spChg chg="mod">
-          <ac:chgData name="Xin Luo" userId="82312ee5779919a4" providerId="LiveId" clId="{23920C8D-EBCE-A347-9C82-C14316D20539}" dt="2022-10-10T01:06:39.449" v="369" actId="403"/>
-          <ac:spMkLst>
-            <pc:docMk/>
-            <pc:sldMk cId="2415901206" sldId="2447"/>
-            <ac:spMk id="7" creationId="{00000000-0000-0000-0000-000000000000}"/>
-          </ac:spMkLst>
-        </pc:spChg>
-      </pc:sldChg>
-      <pc:sldChg chg="addSp delSp modSp mod">
-        <pc:chgData name="Xin Luo" userId="82312ee5779919a4" providerId="LiveId" clId="{23920C8D-EBCE-A347-9C82-C14316D20539}" dt="2022-10-26T11:18:20.490" v="500"/>
-        <pc:sldMkLst>
-          <pc:docMk/>
-          <pc:sldMk cId="2689840772" sldId="2604"/>
-        </pc:sldMkLst>
-        <pc:spChg chg="mod">
-          <ac:chgData name="Xin Luo" userId="82312ee5779919a4" providerId="LiveId" clId="{23920C8D-EBCE-A347-9C82-C14316D20539}" dt="2022-10-26T11:18:14.630" v="497" actId="1038"/>
-          <ac:spMkLst>
-            <pc:docMk/>
-            <pc:sldMk cId="2689840772" sldId="2604"/>
-            <ac:spMk id="2" creationId="{DB381E7B-A050-4BE4-6756-9B64308C74D7}"/>
-          </ac:spMkLst>
-        </pc:spChg>
-        <pc:spChg chg="del mod">
-          <ac:chgData name="Xin Luo" userId="82312ee5779919a4" providerId="LiveId" clId="{23920C8D-EBCE-A347-9C82-C14316D20539}" dt="2022-10-10T00:58:26.498" v="9" actId="478"/>
-          <ac:spMkLst>
-            <pc:docMk/>
-            <pc:sldMk cId="2689840772" sldId="2604"/>
-            <ac:spMk id="3" creationId="{00000000-0000-0000-0000-000000000000}"/>
-          </ac:spMkLst>
-        </pc:spChg>
-        <pc:spChg chg="add del mod">
-          <ac:chgData name="Xin Luo" userId="82312ee5779919a4" providerId="LiveId" clId="{23920C8D-EBCE-A347-9C82-C14316D20539}" dt="2022-10-26T11:18:20.490" v="500"/>
-          <ac:spMkLst>
-            <pc:docMk/>
-            <pc:sldMk cId="2689840772" sldId="2604"/>
-            <ac:spMk id="3" creationId="{0AC6D251-AEF6-35BE-71D5-DE25EAD72977}"/>
-          </ac:spMkLst>
-        </pc:spChg>
-        <pc:spChg chg="add mod">
-          <ac:chgData name="Xin Luo" userId="82312ee5779919a4" providerId="LiveId" clId="{23920C8D-EBCE-A347-9C82-C14316D20539}" dt="2022-10-10T01:03:50.909" v="356" actId="20577"/>
-          <ac:spMkLst>
-            <pc:docMk/>
-            <pc:sldMk cId="2689840772" sldId="2604"/>
-            <ac:spMk id="4" creationId="{5B949F23-92C2-3ACE-AE9A-58F8C8D7AB52}"/>
-          </ac:spMkLst>
-        </pc:spChg>
-      </pc:sldChg>
-      <pc:sldChg chg="modSp mod">
-        <pc:chgData name="Xin Luo" userId="82312ee5779919a4" providerId="LiveId" clId="{23920C8D-EBCE-A347-9C82-C14316D20539}" dt="2022-10-25T11:53:23.523" v="402" actId="207"/>
-        <pc:sldMkLst>
-          <pc:docMk/>
-          <pc:sldMk cId="1392274363" sldId="2606"/>
-        </pc:sldMkLst>
-        <pc:spChg chg="mod">
-          <ac:chgData name="Xin Luo" userId="82312ee5779919a4" providerId="LiveId" clId="{23920C8D-EBCE-A347-9C82-C14316D20539}" dt="2022-10-10T01:08:08.448" v="392" actId="20577"/>
-          <ac:spMkLst>
-            <pc:docMk/>
-            <pc:sldMk cId="1392274363" sldId="2606"/>
-            <ac:spMk id="35" creationId="{2CBBD54C-A0C4-CFAB-2A67-F8BF299D28F5}"/>
-          </ac:spMkLst>
-        </pc:spChg>
-        <pc:spChg chg="mod">
-          <ac:chgData name="Xin Luo" userId="82312ee5779919a4" providerId="LiveId" clId="{23920C8D-EBCE-A347-9C82-C14316D20539}" dt="2022-10-25T11:53:23.523" v="402" actId="207"/>
-          <ac:spMkLst>
-            <pc:docMk/>
-            <pc:sldMk cId="1392274363" sldId="2606"/>
-            <ac:spMk id="42" creationId="{E4B07DDE-AB89-2B16-6B7A-2142621DE6F5}"/>
-          </ac:spMkLst>
-        </pc:spChg>
-      </pc:sldChg>
-      <pc:sldChg chg="modSp mod">
-        <pc:chgData name="Xin Luo" userId="82312ee5779919a4" providerId="LiveId" clId="{23920C8D-EBCE-A347-9C82-C14316D20539}" dt="2022-10-25T12:03:26.240" v="414" actId="14100"/>
-        <pc:sldMkLst>
-          <pc:docMk/>
-          <pc:sldMk cId="292605530" sldId="2607"/>
-        </pc:sldMkLst>
-        <pc:spChg chg="mod">
-          <ac:chgData name="Xin Luo" userId="82312ee5779919a4" providerId="LiveId" clId="{23920C8D-EBCE-A347-9C82-C14316D20539}" dt="2022-10-25T12:03:26.240" v="414" actId="14100"/>
-          <ac:spMkLst>
-            <pc:docMk/>
-            <pc:sldMk cId="292605530" sldId="2607"/>
-            <ac:spMk id="18" creationId="{8399C9E7-13B6-1DAF-F5BF-4471E8528C5F}"/>
-          </ac:spMkLst>
-        </pc:spChg>
-      </pc:sldChg>
-      <pc:sldChg chg="modSp mod">
-        <pc:chgData name="Xin Luo" userId="82312ee5779919a4" providerId="LiveId" clId="{23920C8D-EBCE-A347-9C82-C14316D20539}" dt="2022-10-25T12:09:03.730" v="478" actId="1036"/>
-        <pc:sldMkLst>
-          <pc:docMk/>
-          <pc:sldMk cId="2780969545" sldId="2609"/>
-        </pc:sldMkLst>
-        <pc:spChg chg="mod">
-          <ac:chgData name="Xin Luo" userId="82312ee5779919a4" providerId="LiveId" clId="{23920C8D-EBCE-A347-9C82-C14316D20539}" dt="2022-10-25T12:08:56.496" v="469" actId="115"/>
-          <ac:spMkLst>
-            <pc:docMk/>
-            <pc:sldMk cId="2780969545" sldId="2609"/>
-            <ac:spMk id="6" creationId="{2D1A6305-FF43-CF53-224A-B6D4901EAB0F}"/>
-          </ac:spMkLst>
-        </pc:spChg>
-        <pc:spChg chg="mod">
-          <ac:chgData name="Xin Luo" userId="82312ee5779919a4" providerId="LiveId" clId="{23920C8D-EBCE-A347-9C82-C14316D20539}" dt="2022-10-25T12:09:03.730" v="478" actId="1036"/>
-          <ac:spMkLst>
-            <pc:docMk/>
-            <pc:sldMk cId="2780969545" sldId="2609"/>
-            <ac:spMk id="11" creationId="{63EAC848-88D2-7A10-E878-444ADA855E23}"/>
-          </ac:spMkLst>
-        </pc:spChg>
-        <pc:spChg chg="mod">
-          <ac:chgData name="Xin Luo" userId="82312ee5779919a4" providerId="LiveId" clId="{23920C8D-EBCE-A347-9C82-C14316D20539}" dt="2022-10-25T12:09:03.730" v="478" actId="1036"/>
-          <ac:spMkLst>
-            <pc:docMk/>
-            <pc:sldMk cId="2780969545" sldId="2609"/>
-            <ac:spMk id="12" creationId="{BED7A820-9D6E-7E7E-A906-8A9424528316}"/>
-          </ac:spMkLst>
-        </pc:spChg>
-        <pc:spChg chg="mod">
-          <ac:chgData name="Xin Luo" userId="82312ee5779919a4" providerId="LiveId" clId="{23920C8D-EBCE-A347-9C82-C14316D20539}" dt="2022-10-25T12:09:03.730" v="478" actId="1036"/>
-          <ac:spMkLst>
-            <pc:docMk/>
-            <pc:sldMk cId="2780969545" sldId="2609"/>
-            <ac:spMk id="20" creationId="{87EC125B-CB98-6914-1633-6697471A2CB4}"/>
-          </ac:spMkLst>
-        </pc:spChg>
-        <pc:spChg chg="mod">
-          <ac:chgData name="Xin Luo" userId="82312ee5779919a4" providerId="LiveId" clId="{23920C8D-EBCE-A347-9C82-C14316D20539}" dt="2022-10-25T12:09:03.730" v="478" actId="1036"/>
-          <ac:spMkLst>
-            <pc:docMk/>
-            <pc:sldMk cId="2780969545" sldId="2609"/>
-            <ac:spMk id="21" creationId="{0AF67847-7DEF-CDAB-6208-0271BFB4FB06}"/>
-          </ac:spMkLst>
-        </pc:spChg>
-        <pc:spChg chg="mod">
-          <ac:chgData name="Xin Luo" userId="82312ee5779919a4" providerId="LiveId" clId="{23920C8D-EBCE-A347-9C82-C14316D20539}" dt="2022-10-25T12:09:03.730" v="478" actId="1036"/>
-          <ac:spMkLst>
-            <pc:docMk/>
-            <pc:sldMk cId="2780969545" sldId="2609"/>
-            <ac:spMk id="23" creationId="{0011846D-F543-398E-85CB-0AB0A842928A}"/>
-          </ac:spMkLst>
-        </pc:spChg>
-        <pc:spChg chg="mod">
-          <ac:chgData name="Xin Luo" userId="82312ee5779919a4" providerId="LiveId" clId="{23920C8D-EBCE-A347-9C82-C14316D20539}" dt="2022-10-25T12:09:03.730" v="478" actId="1036"/>
-          <ac:spMkLst>
-            <pc:docMk/>
-            <pc:sldMk cId="2780969545" sldId="2609"/>
-            <ac:spMk id="24" creationId="{37B5D87E-7419-7CC0-91CC-8A0807F0F999}"/>
-          </ac:spMkLst>
-        </pc:spChg>
-        <pc:spChg chg="mod">
-          <ac:chgData name="Xin Luo" userId="82312ee5779919a4" providerId="LiveId" clId="{23920C8D-EBCE-A347-9C82-C14316D20539}" dt="2022-10-25T12:09:03.730" v="478" actId="1036"/>
-          <ac:spMkLst>
-            <pc:docMk/>
-            <pc:sldMk cId="2780969545" sldId="2609"/>
-            <ac:spMk id="25" creationId="{4745244D-B431-F067-4A97-7CC4387296FB}"/>
-          </ac:spMkLst>
-        </pc:spChg>
-        <pc:spChg chg="mod">
-          <ac:chgData name="Xin Luo" userId="82312ee5779919a4" providerId="LiveId" clId="{23920C8D-EBCE-A347-9C82-C14316D20539}" dt="2022-10-25T12:09:03.730" v="478" actId="1036"/>
-          <ac:spMkLst>
-            <pc:docMk/>
-            <pc:sldMk cId="2780969545" sldId="2609"/>
-            <ac:spMk id="26" creationId="{FB9C53DE-8D1F-6DF4-8CE3-3A262A9F8737}"/>
-          </ac:spMkLst>
-        </pc:spChg>
-        <pc:picChg chg="mod">
-          <ac:chgData name="Xin Luo" userId="82312ee5779919a4" providerId="LiveId" clId="{23920C8D-EBCE-A347-9C82-C14316D20539}" dt="2022-10-25T12:09:03.730" v="478" actId="1036"/>
-          <ac:picMkLst>
-            <pc:docMk/>
-            <pc:sldMk cId="2780969545" sldId="2609"/>
-            <ac:picMk id="4" creationId="{49B7ACC6-6794-9162-52B2-E80F7E4B0442}"/>
-          </ac:picMkLst>
-        </pc:picChg>
-        <pc:picChg chg="mod">
-          <ac:chgData name="Xin Luo" userId="82312ee5779919a4" providerId="LiveId" clId="{23920C8D-EBCE-A347-9C82-C14316D20539}" dt="2022-10-25T12:09:03.730" v="478" actId="1036"/>
-          <ac:picMkLst>
-            <pc:docMk/>
-            <pc:sldMk cId="2780969545" sldId="2609"/>
-            <ac:picMk id="7" creationId="{42FD45A0-A9EA-D518-41B5-21FA7A24BA60}"/>
-          </ac:picMkLst>
-        </pc:picChg>
-        <pc:picChg chg="mod">
-          <ac:chgData name="Xin Luo" userId="82312ee5779919a4" providerId="LiveId" clId="{23920C8D-EBCE-A347-9C82-C14316D20539}" dt="2022-10-25T12:09:03.730" v="478" actId="1036"/>
-          <ac:picMkLst>
-            <pc:docMk/>
-            <pc:sldMk cId="2780969545" sldId="2609"/>
-            <ac:picMk id="10" creationId="{C2B12388-3179-41F8-2462-0C9BA14093FF}"/>
-          </ac:picMkLst>
-        </pc:picChg>
-        <pc:picChg chg="mod">
-          <ac:chgData name="Xin Luo" userId="82312ee5779919a4" providerId="LiveId" clId="{23920C8D-EBCE-A347-9C82-C14316D20539}" dt="2022-10-25T12:09:03.730" v="478" actId="1036"/>
-          <ac:picMkLst>
-            <pc:docMk/>
-            <pc:sldMk cId="2780969545" sldId="2609"/>
-            <ac:picMk id="7170" creationId="{A3C33C8C-6841-03A7-574F-E161D6BA2409}"/>
-          </ac:picMkLst>
-        </pc:picChg>
-        <pc:cxnChg chg="mod">
-          <ac:chgData name="Xin Luo" userId="82312ee5779919a4" providerId="LiveId" clId="{23920C8D-EBCE-A347-9C82-C14316D20539}" dt="2022-10-25T12:09:03.730" v="478" actId="1036"/>
-          <ac:cxnSpMkLst>
-            <pc:docMk/>
-            <pc:sldMk cId="2780969545" sldId="2609"/>
-            <ac:cxnSpMk id="9" creationId="{FD972B84-6C44-171E-8256-D2A04F01B0C9}"/>
-          </ac:cxnSpMkLst>
-        </pc:cxnChg>
-        <pc:cxnChg chg="mod">
-          <ac:chgData name="Xin Luo" userId="82312ee5779919a4" providerId="LiveId" clId="{23920C8D-EBCE-A347-9C82-C14316D20539}" dt="2022-10-25T12:09:03.730" v="478" actId="1036"/>
-          <ac:cxnSpMkLst>
-            <pc:docMk/>
-            <pc:sldMk cId="2780969545" sldId="2609"/>
-            <ac:cxnSpMk id="16" creationId="{612BCBDC-DECE-5090-7C5B-6492FF4CE722}"/>
-          </ac:cxnSpMkLst>
-        </pc:cxnChg>
-        <pc:cxnChg chg="mod">
-          <ac:chgData name="Xin Luo" userId="82312ee5779919a4" providerId="LiveId" clId="{23920C8D-EBCE-A347-9C82-C14316D20539}" dt="2022-10-25T12:09:03.730" v="478" actId="1036"/>
-          <ac:cxnSpMkLst>
-            <pc:docMk/>
-            <pc:sldMk cId="2780969545" sldId="2609"/>
-            <ac:cxnSpMk id="17" creationId="{AF045F09-2718-C456-D477-E816A43885FF}"/>
-          </ac:cxnSpMkLst>
-        </pc:cxnChg>
-        <pc:cxnChg chg="mod">
-          <ac:chgData name="Xin Luo" userId="82312ee5779919a4" providerId="LiveId" clId="{23920C8D-EBCE-A347-9C82-C14316D20539}" dt="2022-10-25T12:09:03.730" v="478" actId="1036"/>
-          <ac:cxnSpMkLst>
-            <pc:docMk/>
-            <pc:sldMk cId="2780969545" sldId="2609"/>
-            <ac:cxnSpMk id="28" creationId="{6C11ADF7-6234-2989-2798-F5AAD5EDE3BF}"/>
-          </ac:cxnSpMkLst>
-        </pc:cxnChg>
-      </pc:sldChg>
-      <pc:sldChg chg="modSp mod">
-        <pc:chgData name="Xin Luo" userId="82312ee5779919a4" providerId="LiveId" clId="{23920C8D-EBCE-A347-9C82-C14316D20539}" dt="2022-10-26T02:56:58.658" v="480" actId="207"/>
-        <pc:sldMkLst>
-          <pc:docMk/>
-          <pc:sldMk cId="63705705" sldId="2612"/>
-        </pc:sldMkLst>
-        <pc:spChg chg="mod">
-          <ac:chgData name="Xin Luo" userId="82312ee5779919a4" providerId="LiveId" clId="{23920C8D-EBCE-A347-9C82-C14316D20539}" dt="2022-10-26T02:56:58.658" v="480" actId="207"/>
-          <ac:spMkLst>
-            <pc:docMk/>
-            <pc:sldMk cId="63705705" sldId="2612"/>
-            <ac:spMk id="63" creationId="{6400CC45-5050-7ACD-CE08-CC6D7000A1DA}"/>
-          </ac:spMkLst>
-        </pc:spChg>
-      </pc:sldChg>
-      <pc:sldChg chg="addSp modSp">
-        <pc:chgData name="Xin Luo" userId="82312ee5779919a4" providerId="LiveId" clId="{23920C8D-EBCE-A347-9C82-C14316D20539}" dt="2022-10-26T12:19:06.428" v="501" actId="767"/>
-        <pc:sldMkLst>
-          <pc:docMk/>
-          <pc:sldMk cId="963926578" sldId="2613"/>
-        </pc:sldMkLst>
-        <pc:spChg chg="add mod">
-          <ac:chgData name="Xin Luo" userId="82312ee5779919a4" providerId="LiveId" clId="{23920C8D-EBCE-A347-9C82-C14316D20539}" dt="2022-10-26T12:19:06.428" v="501" actId="767"/>
-          <ac:spMkLst>
-            <pc:docMk/>
-            <pc:sldMk cId="963926578" sldId="2613"/>
-            <ac:spMk id="2" creationId="{5F7683B3-77E0-69A9-94AE-FF04E7249325}"/>
-          </ac:spMkLst>
-        </pc:spChg>
-      </pc:sldChg>
-      <pc:sldChg chg="modSp add mod">
-        <pc:chgData name="Xin Luo" userId="82312ee5779919a4" providerId="LiveId" clId="{23920C8D-EBCE-A347-9C82-C14316D20539}" dt="2022-10-10T01:06:02.902" v="365" actId="403"/>
-        <pc:sldMkLst>
-          <pc:docMk/>
-          <pc:sldMk cId="2358282757" sldId="2714"/>
-        </pc:sldMkLst>
-        <pc:spChg chg="mod">
-          <ac:chgData name="Xin Luo" userId="82312ee5779919a4" providerId="LiveId" clId="{23920C8D-EBCE-A347-9C82-C14316D20539}" dt="2022-10-10T01:06:02.902" v="365" actId="403"/>
-          <ac:spMkLst>
-            <pc:docMk/>
-            <pc:sldMk cId="2358282757" sldId="2714"/>
-            <ac:spMk id="2" creationId="{DB381E7B-A050-4BE4-6756-9B64308C74D7}"/>
-          </ac:spMkLst>
-        </pc:spChg>
-      </pc:sldChg>
-    </pc:docChg>
-  </pc:docChgLst>
-  <pc:docChgLst>
     <pc:chgData name="Xin Luo" userId="82312ee5779919a4" providerId="LiveId" clId="{7C35D78A-E8DF-394E-816A-D2222F18F092}"/>
     <pc:docChg chg="delSld modSld">
       <pc:chgData name="Xin Luo" userId="82312ee5779919a4" providerId="LiveId" clId="{7C35D78A-E8DF-394E-816A-D2222F18F092}" dt="2022-11-28T03:56:42.353" v="21" actId="2696"/>
@@ -3479,6 +3134,350 @@
     </pc:docChg>
   </pc:docChgLst>
   <pc:docChgLst>
+    <pc:chgData name="Xin Luo" userId="82312ee5779919a4" providerId="LiveId" clId="{23920C8D-EBCE-A347-9C82-C14316D20539}"/>
+    <pc:docChg chg="undo custSel addSld modSld">
+      <pc:chgData name="Xin Luo" userId="82312ee5779919a4" providerId="LiveId" clId="{23920C8D-EBCE-A347-9C82-C14316D20539}" dt="2022-10-26T12:19:06.428" v="501" actId="767"/>
+      <pc:docMkLst>
+        <pc:docMk/>
+      </pc:docMkLst>
+      <pc:sldChg chg="modSp mod">
+        <pc:chgData name="Xin Luo" userId="82312ee5779919a4" providerId="LiveId" clId="{23920C8D-EBCE-A347-9C82-C14316D20539}" dt="2022-10-10T01:06:29.261" v="368" actId="404"/>
+        <pc:sldMkLst>
+          <pc:docMk/>
+          <pc:sldMk cId="1576120367" sldId="2387"/>
+        </pc:sldMkLst>
+        <pc:spChg chg="mod">
+          <ac:chgData name="Xin Luo" userId="82312ee5779919a4" providerId="LiveId" clId="{23920C8D-EBCE-A347-9C82-C14316D20539}" dt="2022-10-10T01:06:29.261" v="368" actId="404"/>
+          <ac:spMkLst>
+            <pc:docMk/>
+            <pc:sldMk cId="1576120367" sldId="2387"/>
+            <ac:spMk id="10" creationId="{00000000-0000-0000-0000-000000000000}"/>
+          </ac:spMkLst>
+        </pc:spChg>
+        <pc:spChg chg="mod">
+          <ac:chgData name="Xin Luo" userId="82312ee5779919a4" providerId="LiveId" clId="{23920C8D-EBCE-A347-9C82-C14316D20539}" dt="2022-10-10T01:06:13.262" v="366" actId="403"/>
+          <ac:spMkLst>
+            <pc:docMk/>
+            <pc:sldMk cId="1576120367" sldId="2387"/>
+            <ac:spMk id="12" creationId="{00000000-0000-0000-0000-000000000000}"/>
+          </ac:spMkLst>
+        </pc:spChg>
+        <pc:spChg chg="mod">
+          <ac:chgData name="Xin Luo" userId="82312ee5779919a4" providerId="LiveId" clId="{23920C8D-EBCE-A347-9C82-C14316D20539}" dt="2022-10-10T01:06:29.261" v="368" actId="404"/>
+          <ac:spMkLst>
+            <pc:docMk/>
+            <pc:sldMk cId="1576120367" sldId="2387"/>
+            <ac:spMk id="13" creationId="{00000000-0000-0000-0000-000000000000}"/>
+          </ac:spMkLst>
+        </pc:spChg>
+        <pc:spChg chg="mod">
+          <ac:chgData name="Xin Luo" userId="82312ee5779919a4" providerId="LiveId" clId="{23920C8D-EBCE-A347-9C82-C14316D20539}" dt="2022-10-10T01:06:13.262" v="366" actId="403"/>
+          <ac:spMkLst>
+            <pc:docMk/>
+            <pc:sldMk cId="1576120367" sldId="2387"/>
+            <ac:spMk id="14" creationId="{00000000-0000-0000-0000-000000000000}"/>
+          </ac:spMkLst>
+        </pc:spChg>
+        <pc:spChg chg="mod">
+          <ac:chgData name="Xin Luo" userId="82312ee5779919a4" providerId="LiveId" clId="{23920C8D-EBCE-A347-9C82-C14316D20539}" dt="2022-10-10T01:06:29.261" v="368" actId="404"/>
+          <ac:spMkLst>
+            <pc:docMk/>
+            <pc:sldMk cId="1576120367" sldId="2387"/>
+            <ac:spMk id="15" creationId="{00000000-0000-0000-0000-000000000000}"/>
+          </ac:spMkLst>
+        </pc:spChg>
+        <pc:spChg chg="mod">
+          <ac:chgData name="Xin Luo" userId="82312ee5779919a4" providerId="LiveId" clId="{23920C8D-EBCE-A347-9C82-C14316D20539}" dt="2022-10-10T01:06:19.369" v="367" actId="14100"/>
+          <ac:spMkLst>
+            <pc:docMk/>
+            <pc:sldMk cId="1576120367" sldId="2387"/>
+            <ac:spMk id="16" creationId="{00000000-0000-0000-0000-000000000000}"/>
+          </ac:spMkLst>
+        </pc:spChg>
+      </pc:sldChg>
+      <pc:sldChg chg="modSp mod">
+        <pc:chgData name="Xin Luo" userId="82312ee5779919a4" providerId="LiveId" clId="{23920C8D-EBCE-A347-9C82-C14316D20539}" dt="2022-10-10T01:06:39.449" v="369" actId="403"/>
+        <pc:sldMkLst>
+          <pc:docMk/>
+          <pc:sldMk cId="2415901206" sldId="2447"/>
+        </pc:sldMkLst>
+        <pc:spChg chg="mod">
+          <ac:chgData name="Xin Luo" userId="82312ee5779919a4" providerId="LiveId" clId="{23920C8D-EBCE-A347-9C82-C14316D20539}" dt="2022-10-10T01:06:39.449" v="369" actId="403"/>
+          <ac:spMkLst>
+            <pc:docMk/>
+            <pc:sldMk cId="2415901206" sldId="2447"/>
+            <ac:spMk id="7" creationId="{00000000-0000-0000-0000-000000000000}"/>
+          </ac:spMkLst>
+        </pc:spChg>
+      </pc:sldChg>
+      <pc:sldChg chg="addSp delSp modSp mod">
+        <pc:chgData name="Xin Luo" userId="82312ee5779919a4" providerId="LiveId" clId="{23920C8D-EBCE-A347-9C82-C14316D20539}" dt="2022-10-26T11:18:20.490" v="500"/>
+        <pc:sldMkLst>
+          <pc:docMk/>
+          <pc:sldMk cId="2689840772" sldId="2604"/>
+        </pc:sldMkLst>
+        <pc:spChg chg="mod">
+          <ac:chgData name="Xin Luo" userId="82312ee5779919a4" providerId="LiveId" clId="{23920C8D-EBCE-A347-9C82-C14316D20539}" dt="2022-10-26T11:18:14.630" v="497" actId="1038"/>
+          <ac:spMkLst>
+            <pc:docMk/>
+            <pc:sldMk cId="2689840772" sldId="2604"/>
+            <ac:spMk id="2" creationId="{DB381E7B-A050-4BE4-6756-9B64308C74D7}"/>
+          </ac:spMkLst>
+        </pc:spChg>
+        <pc:spChg chg="del mod">
+          <ac:chgData name="Xin Luo" userId="82312ee5779919a4" providerId="LiveId" clId="{23920C8D-EBCE-A347-9C82-C14316D20539}" dt="2022-10-10T00:58:26.498" v="9" actId="478"/>
+          <ac:spMkLst>
+            <pc:docMk/>
+            <pc:sldMk cId="2689840772" sldId="2604"/>
+            <ac:spMk id="3" creationId="{00000000-0000-0000-0000-000000000000}"/>
+          </ac:spMkLst>
+        </pc:spChg>
+        <pc:spChg chg="add del mod">
+          <ac:chgData name="Xin Luo" userId="82312ee5779919a4" providerId="LiveId" clId="{23920C8D-EBCE-A347-9C82-C14316D20539}" dt="2022-10-26T11:18:20.490" v="500"/>
+          <ac:spMkLst>
+            <pc:docMk/>
+            <pc:sldMk cId="2689840772" sldId="2604"/>
+            <ac:spMk id="3" creationId="{0AC6D251-AEF6-35BE-71D5-DE25EAD72977}"/>
+          </ac:spMkLst>
+        </pc:spChg>
+        <pc:spChg chg="add mod">
+          <ac:chgData name="Xin Luo" userId="82312ee5779919a4" providerId="LiveId" clId="{23920C8D-EBCE-A347-9C82-C14316D20539}" dt="2022-10-10T01:03:50.909" v="356" actId="20577"/>
+          <ac:spMkLst>
+            <pc:docMk/>
+            <pc:sldMk cId="2689840772" sldId="2604"/>
+            <ac:spMk id="4" creationId="{5B949F23-92C2-3ACE-AE9A-58F8C8D7AB52}"/>
+          </ac:spMkLst>
+        </pc:spChg>
+      </pc:sldChg>
+      <pc:sldChg chg="modSp mod">
+        <pc:chgData name="Xin Luo" userId="82312ee5779919a4" providerId="LiveId" clId="{23920C8D-EBCE-A347-9C82-C14316D20539}" dt="2022-10-25T11:53:23.523" v="402" actId="207"/>
+        <pc:sldMkLst>
+          <pc:docMk/>
+          <pc:sldMk cId="1392274363" sldId="2606"/>
+        </pc:sldMkLst>
+        <pc:spChg chg="mod">
+          <ac:chgData name="Xin Luo" userId="82312ee5779919a4" providerId="LiveId" clId="{23920C8D-EBCE-A347-9C82-C14316D20539}" dt="2022-10-10T01:08:08.448" v="392" actId="20577"/>
+          <ac:spMkLst>
+            <pc:docMk/>
+            <pc:sldMk cId="1392274363" sldId="2606"/>
+            <ac:spMk id="35" creationId="{2CBBD54C-A0C4-CFAB-2A67-F8BF299D28F5}"/>
+          </ac:spMkLst>
+        </pc:spChg>
+        <pc:spChg chg="mod">
+          <ac:chgData name="Xin Luo" userId="82312ee5779919a4" providerId="LiveId" clId="{23920C8D-EBCE-A347-9C82-C14316D20539}" dt="2022-10-25T11:53:23.523" v="402" actId="207"/>
+          <ac:spMkLst>
+            <pc:docMk/>
+            <pc:sldMk cId="1392274363" sldId="2606"/>
+            <ac:spMk id="42" creationId="{E4B07DDE-AB89-2B16-6B7A-2142621DE6F5}"/>
+          </ac:spMkLst>
+        </pc:spChg>
+      </pc:sldChg>
+      <pc:sldChg chg="modSp mod">
+        <pc:chgData name="Xin Luo" userId="82312ee5779919a4" providerId="LiveId" clId="{23920C8D-EBCE-A347-9C82-C14316D20539}" dt="2022-10-25T12:03:26.240" v="414" actId="14100"/>
+        <pc:sldMkLst>
+          <pc:docMk/>
+          <pc:sldMk cId="292605530" sldId="2607"/>
+        </pc:sldMkLst>
+        <pc:spChg chg="mod">
+          <ac:chgData name="Xin Luo" userId="82312ee5779919a4" providerId="LiveId" clId="{23920C8D-EBCE-A347-9C82-C14316D20539}" dt="2022-10-25T12:03:26.240" v="414" actId="14100"/>
+          <ac:spMkLst>
+            <pc:docMk/>
+            <pc:sldMk cId="292605530" sldId="2607"/>
+            <ac:spMk id="18" creationId="{8399C9E7-13B6-1DAF-F5BF-4471E8528C5F}"/>
+          </ac:spMkLst>
+        </pc:spChg>
+      </pc:sldChg>
+      <pc:sldChg chg="modSp mod">
+        <pc:chgData name="Xin Luo" userId="82312ee5779919a4" providerId="LiveId" clId="{23920C8D-EBCE-A347-9C82-C14316D20539}" dt="2022-10-25T12:09:03.730" v="478" actId="1036"/>
+        <pc:sldMkLst>
+          <pc:docMk/>
+          <pc:sldMk cId="2780969545" sldId="2609"/>
+        </pc:sldMkLst>
+        <pc:spChg chg="mod">
+          <ac:chgData name="Xin Luo" userId="82312ee5779919a4" providerId="LiveId" clId="{23920C8D-EBCE-A347-9C82-C14316D20539}" dt="2022-10-25T12:08:56.496" v="469" actId="115"/>
+          <ac:spMkLst>
+            <pc:docMk/>
+            <pc:sldMk cId="2780969545" sldId="2609"/>
+            <ac:spMk id="6" creationId="{2D1A6305-FF43-CF53-224A-B6D4901EAB0F}"/>
+          </ac:spMkLst>
+        </pc:spChg>
+        <pc:spChg chg="mod">
+          <ac:chgData name="Xin Luo" userId="82312ee5779919a4" providerId="LiveId" clId="{23920C8D-EBCE-A347-9C82-C14316D20539}" dt="2022-10-25T12:09:03.730" v="478" actId="1036"/>
+          <ac:spMkLst>
+            <pc:docMk/>
+            <pc:sldMk cId="2780969545" sldId="2609"/>
+            <ac:spMk id="11" creationId="{63EAC848-88D2-7A10-E878-444ADA855E23}"/>
+          </ac:spMkLst>
+        </pc:spChg>
+        <pc:spChg chg="mod">
+          <ac:chgData name="Xin Luo" userId="82312ee5779919a4" providerId="LiveId" clId="{23920C8D-EBCE-A347-9C82-C14316D20539}" dt="2022-10-25T12:09:03.730" v="478" actId="1036"/>
+          <ac:spMkLst>
+            <pc:docMk/>
+            <pc:sldMk cId="2780969545" sldId="2609"/>
+            <ac:spMk id="12" creationId="{BED7A820-9D6E-7E7E-A906-8A9424528316}"/>
+          </ac:spMkLst>
+        </pc:spChg>
+        <pc:spChg chg="mod">
+          <ac:chgData name="Xin Luo" userId="82312ee5779919a4" providerId="LiveId" clId="{23920C8D-EBCE-A347-9C82-C14316D20539}" dt="2022-10-25T12:09:03.730" v="478" actId="1036"/>
+          <ac:spMkLst>
+            <pc:docMk/>
+            <pc:sldMk cId="2780969545" sldId="2609"/>
+            <ac:spMk id="20" creationId="{87EC125B-CB98-6914-1633-6697471A2CB4}"/>
+          </ac:spMkLst>
+        </pc:spChg>
+        <pc:spChg chg="mod">
+          <ac:chgData name="Xin Luo" userId="82312ee5779919a4" providerId="LiveId" clId="{23920C8D-EBCE-A347-9C82-C14316D20539}" dt="2022-10-25T12:09:03.730" v="478" actId="1036"/>
+          <ac:spMkLst>
+            <pc:docMk/>
+            <pc:sldMk cId="2780969545" sldId="2609"/>
+            <ac:spMk id="21" creationId="{0AF67847-7DEF-CDAB-6208-0271BFB4FB06}"/>
+          </ac:spMkLst>
+        </pc:spChg>
+        <pc:spChg chg="mod">
+          <ac:chgData name="Xin Luo" userId="82312ee5779919a4" providerId="LiveId" clId="{23920C8D-EBCE-A347-9C82-C14316D20539}" dt="2022-10-25T12:09:03.730" v="478" actId="1036"/>
+          <ac:spMkLst>
+            <pc:docMk/>
+            <pc:sldMk cId="2780969545" sldId="2609"/>
+            <ac:spMk id="23" creationId="{0011846D-F543-398E-85CB-0AB0A842928A}"/>
+          </ac:spMkLst>
+        </pc:spChg>
+        <pc:spChg chg="mod">
+          <ac:chgData name="Xin Luo" userId="82312ee5779919a4" providerId="LiveId" clId="{23920C8D-EBCE-A347-9C82-C14316D20539}" dt="2022-10-25T12:09:03.730" v="478" actId="1036"/>
+          <ac:spMkLst>
+            <pc:docMk/>
+            <pc:sldMk cId="2780969545" sldId="2609"/>
+            <ac:spMk id="24" creationId="{37B5D87E-7419-7CC0-91CC-8A0807F0F999}"/>
+          </ac:spMkLst>
+        </pc:spChg>
+        <pc:spChg chg="mod">
+          <ac:chgData name="Xin Luo" userId="82312ee5779919a4" providerId="LiveId" clId="{23920C8D-EBCE-A347-9C82-C14316D20539}" dt="2022-10-25T12:09:03.730" v="478" actId="1036"/>
+          <ac:spMkLst>
+            <pc:docMk/>
+            <pc:sldMk cId="2780969545" sldId="2609"/>
+            <ac:spMk id="25" creationId="{4745244D-B431-F067-4A97-7CC4387296FB}"/>
+          </ac:spMkLst>
+        </pc:spChg>
+        <pc:spChg chg="mod">
+          <ac:chgData name="Xin Luo" userId="82312ee5779919a4" providerId="LiveId" clId="{23920C8D-EBCE-A347-9C82-C14316D20539}" dt="2022-10-25T12:09:03.730" v="478" actId="1036"/>
+          <ac:spMkLst>
+            <pc:docMk/>
+            <pc:sldMk cId="2780969545" sldId="2609"/>
+            <ac:spMk id="26" creationId="{FB9C53DE-8D1F-6DF4-8CE3-3A262A9F8737}"/>
+          </ac:spMkLst>
+        </pc:spChg>
+        <pc:picChg chg="mod">
+          <ac:chgData name="Xin Luo" userId="82312ee5779919a4" providerId="LiveId" clId="{23920C8D-EBCE-A347-9C82-C14316D20539}" dt="2022-10-25T12:09:03.730" v="478" actId="1036"/>
+          <ac:picMkLst>
+            <pc:docMk/>
+            <pc:sldMk cId="2780969545" sldId="2609"/>
+            <ac:picMk id="4" creationId="{49B7ACC6-6794-9162-52B2-E80F7E4B0442}"/>
+          </ac:picMkLst>
+        </pc:picChg>
+        <pc:picChg chg="mod">
+          <ac:chgData name="Xin Luo" userId="82312ee5779919a4" providerId="LiveId" clId="{23920C8D-EBCE-A347-9C82-C14316D20539}" dt="2022-10-25T12:09:03.730" v="478" actId="1036"/>
+          <ac:picMkLst>
+            <pc:docMk/>
+            <pc:sldMk cId="2780969545" sldId="2609"/>
+            <ac:picMk id="7" creationId="{42FD45A0-A9EA-D518-41B5-21FA7A24BA60}"/>
+          </ac:picMkLst>
+        </pc:picChg>
+        <pc:picChg chg="mod">
+          <ac:chgData name="Xin Luo" userId="82312ee5779919a4" providerId="LiveId" clId="{23920C8D-EBCE-A347-9C82-C14316D20539}" dt="2022-10-25T12:09:03.730" v="478" actId="1036"/>
+          <ac:picMkLst>
+            <pc:docMk/>
+            <pc:sldMk cId="2780969545" sldId="2609"/>
+            <ac:picMk id="10" creationId="{C2B12388-3179-41F8-2462-0C9BA14093FF}"/>
+          </ac:picMkLst>
+        </pc:picChg>
+        <pc:picChg chg="mod">
+          <ac:chgData name="Xin Luo" userId="82312ee5779919a4" providerId="LiveId" clId="{23920C8D-EBCE-A347-9C82-C14316D20539}" dt="2022-10-25T12:09:03.730" v="478" actId="1036"/>
+          <ac:picMkLst>
+            <pc:docMk/>
+            <pc:sldMk cId="2780969545" sldId="2609"/>
+            <ac:picMk id="7170" creationId="{A3C33C8C-6841-03A7-574F-E161D6BA2409}"/>
+          </ac:picMkLst>
+        </pc:picChg>
+        <pc:cxnChg chg="mod">
+          <ac:chgData name="Xin Luo" userId="82312ee5779919a4" providerId="LiveId" clId="{23920C8D-EBCE-A347-9C82-C14316D20539}" dt="2022-10-25T12:09:03.730" v="478" actId="1036"/>
+          <ac:cxnSpMkLst>
+            <pc:docMk/>
+            <pc:sldMk cId="2780969545" sldId="2609"/>
+            <ac:cxnSpMk id="9" creationId="{FD972B84-6C44-171E-8256-D2A04F01B0C9}"/>
+          </ac:cxnSpMkLst>
+        </pc:cxnChg>
+        <pc:cxnChg chg="mod">
+          <ac:chgData name="Xin Luo" userId="82312ee5779919a4" providerId="LiveId" clId="{23920C8D-EBCE-A347-9C82-C14316D20539}" dt="2022-10-25T12:09:03.730" v="478" actId="1036"/>
+          <ac:cxnSpMkLst>
+            <pc:docMk/>
+            <pc:sldMk cId="2780969545" sldId="2609"/>
+            <ac:cxnSpMk id="16" creationId="{612BCBDC-DECE-5090-7C5B-6492FF4CE722}"/>
+          </ac:cxnSpMkLst>
+        </pc:cxnChg>
+        <pc:cxnChg chg="mod">
+          <ac:chgData name="Xin Luo" userId="82312ee5779919a4" providerId="LiveId" clId="{23920C8D-EBCE-A347-9C82-C14316D20539}" dt="2022-10-25T12:09:03.730" v="478" actId="1036"/>
+          <ac:cxnSpMkLst>
+            <pc:docMk/>
+            <pc:sldMk cId="2780969545" sldId="2609"/>
+            <ac:cxnSpMk id="17" creationId="{AF045F09-2718-C456-D477-E816A43885FF}"/>
+          </ac:cxnSpMkLst>
+        </pc:cxnChg>
+        <pc:cxnChg chg="mod">
+          <ac:chgData name="Xin Luo" userId="82312ee5779919a4" providerId="LiveId" clId="{23920C8D-EBCE-A347-9C82-C14316D20539}" dt="2022-10-25T12:09:03.730" v="478" actId="1036"/>
+          <ac:cxnSpMkLst>
+            <pc:docMk/>
+            <pc:sldMk cId="2780969545" sldId="2609"/>
+            <ac:cxnSpMk id="28" creationId="{6C11ADF7-6234-2989-2798-F5AAD5EDE3BF}"/>
+          </ac:cxnSpMkLst>
+        </pc:cxnChg>
+      </pc:sldChg>
+      <pc:sldChg chg="modSp mod">
+        <pc:chgData name="Xin Luo" userId="82312ee5779919a4" providerId="LiveId" clId="{23920C8D-EBCE-A347-9C82-C14316D20539}" dt="2022-10-26T02:56:58.658" v="480" actId="207"/>
+        <pc:sldMkLst>
+          <pc:docMk/>
+          <pc:sldMk cId="63705705" sldId="2612"/>
+        </pc:sldMkLst>
+        <pc:spChg chg="mod">
+          <ac:chgData name="Xin Luo" userId="82312ee5779919a4" providerId="LiveId" clId="{23920C8D-EBCE-A347-9C82-C14316D20539}" dt="2022-10-26T02:56:58.658" v="480" actId="207"/>
+          <ac:spMkLst>
+            <pc:docMk/>
+            <pc:sldMk cId="63705705" sldId="2612"/>
+            <ac:spMk id="63" creationId="{6400CC45-5050-7ACD-CE08-CC6D7000A1DA}"/>
+          </ac:spMkLst>
+        </pc:spChg>
+      </pc:sldChg>
+      <pc:sldChg chg="addSp modSp">
+        <pc:chgData name="Xin Luo" userId="82312ee5779919a4" providerId="LiveId" clId="{23920C8D-EBCE-A347-9C82-C14316D20539}" dt="2022-10-26T12:19:06.428" v="501" actId="767"/>
+        <pc:sldMkLst>
+          <pc:docMk/>
+          <pc:sldMk cId="963926578" sldId="2613"/>
+        </pc:sldMkLst>
+        <pc:spChg chg="add mod">
+          <ac:chgData name="Xin Luo" userId="82312ee5779919a4" providerId="LiveId" clId="{23920C8D-EBCE-A347-9C82-C14316D20539}" dt="2022-10-26T12:19:06.428" v="501" actId="767"/>
+          <ac:spMkLst>
+            <pc:docMk/>
+            <pc:sldMk cId="963926578" sldId="2613"/>
+            <ac:spMk id="2" creationId="{5F7683B3-77E0-69A9-94AE-FF04E7249325}"/>
+          </ac:spMkLst>
+        </pc:spChg>
+      </pc:sldChg>
+      <pc:sldChg chg="modSp add mod">
+        <pc:chgData name="Xin Luo" userId="82312ee5779919a4" providerId="LiveId" clId="{23920C8D-EBCE-A347-9C82-C14316D20539}" dt="2022-10-10T01:06:02.902" v="365" actId="403"/>
+        <pc:sldMkLst>
+          <pc:docMk/>
+          <pc:sldMk cId="2358282757" sldId="2714"/>
+        </pc:sldMkLst>
+        <pc:spChg chg="mod">
+          <ac:chgData name="Xin Luo" userId="82312ee5779919a4" providerId="LiveId" clId="{23920C8D-EBCE-A347-9C82-C14316D20539}" dt="2022-10-10T01:06:02.902" v="365" actId="403"/>
+          <ac:spMkLst>
+            <pc:docMk/>
+            <pc:sldMk cId="2358282757" sldId="2714"/>
+            <ac:spMk id="2" creationId="{DB381E7B-A050-4BE4-6756-9B64308C74D7}"/>
+          </ac:spMkLst>
+        </pc:spChg>
+      </pc:sldChg>
+    </pc:docChg>
+  </pc:docChgLst>
+  <pc:docChgLst>
     <pc:chgData name="Xin Luo" userId="82312ee5779919a4" providerId="LiveId" clId="{4807F875-6F75-AB41-83F0-5AE490FE2F1C}"/>
     <pc:docChg chg="custSel addSld modSld">
       <pc:chgData name="Xin Luo" userId="82312ee5779919a4" providerId="LiveId" clId="{4807F875-6F75-AB41-83F0-5AE490FE2F1C}" dt="2023-09-13T14:07:01.122" v="8" actId="1076"/>
@@ -5060,6 +5059,138 @@
     </pc:docChg>
   </pc:docChgLst>
   <pc:docChgLst>
+    <pc:chgData name="Xin Luo" userId="82312ee5779919a4" providerId="LiveId" clId="{A508F461-0D73-864F-B88A-277BCD613B0A}"/>
+    <pc:docChg chg="modSld">
+      <pc:chgData name="Xin Luo" userId="82312ee5779919a4" providerId="LiveId" clId="{A508F461-0D73-864F-B88A-277BCD613B0A}" dt="2023-09-11T02:08:48.074" v="121" actId="1076"/>
+      <pc:docMkLst>
+        <pc:docMk/>
+      </pc:docMkLst>
+      <pc:sldChg chg="modSp mod">
+        <pc:chgData name="Xin Luo" userId="82312ee5779919a4" providerId="LiveId" clId="{A508F461-0D73-864F-B88A-277BCD613B0A}" dt="2023-09-11T01:25:36.157" v="49" actId="255"/>
+        <pc:sldMkLst>
+          <pc:docMk/>
+          <pc:sldMk cId="1209572041" sldId="2722"/>
+        </pc:sldMkLst>
+        <pc:spChg chg="mod">
+          <ac:chgData name="Xin Luo" userId="82312ee5779919a4" providerId="LiveId" clId="{A508F461-0D73-864F-B88A-277BCD613B0A}" dt="2023-09-11T01:25:36.157" v="49" actId="255"/>
+          <ac:spMkLst>
+            <pc:docMk/>
+            <pc:sldMk cId="1209572041" sldId="2722"/>
+            <ac:spMk id="13" creationId="{303BC878-BC57-D350-27A3-F03AE48213AC}"/>
+          </ac:spMkLst>
+        </pc:spChg>
+      </pc:sldChg>
+      <pc:sldChg chg="modSp mod">
+        <pc:chgData name="Xin Luo" userId="82312ee5779919a4" providerId="LiveId" clId="{A508F461-0D73-864F-B88A-277BCD613B0A}" dt="2023-09-11T02:08:48.074" v="121" actId="1076"/>
+        <pc:sldMkLst>
+          <pc:docMk/>
+          <pc:sldMk cId="3151170836" sldId="2742"/>
+        </pc:sldMkLst>
+        <pc:spChg chg="mod">
+          <ac:chgData name="Xin Luo" userId="82312ee5779919a4" providerId="LiveId" clId="{A508F461-0D73-864F-B88A-277BCD613B0A}" dt="2023-09-11T02:08:48.074" v="121" actId="1076"/>
+          <ac:spMkLst>
+            <pc:docMk/>
+            <pc:sldMk cId="3151170836" sldId="2742"/>
+            <ac:spMk id="6" creationId="{FA343B24-C04E-C7D0-D427-DA131ECB74AB}"/>
+          </ac:spMkLst>
+        </pc:spChg>
+      </pc:sldChg>
+      <pc:sldChg chg="modSp mod">
+        <pc:chgData name="Xin Luo" userId="82312ee5779919a4" providerId="LiveId" clId="{A508F461-0D73-864F-B88A-277BCD613B0A}" dt="2023-09-11T01:24:19.474" v="26" actId="255"/>
+        <pc:sldMkLst>
+          <pc:docMk/>
+          <pc:sldMk cId="3741103209" sldId="2745"/>
+        </pc:sldMkLst>
+        <pc:spChg chg="mod">
+          <ac:chgData name="Xin Luo" userId="82312ee5779919a4" providerId="LiveId" clId="{A508F461-0D73-864F-B88A-277BCD613B0A}" dt="2023-09-11T01:24:19.474" v="26" actId="255"/>
+          <ac:spMkLst>
+            <pc:docMk/>
+            <pc:sldMk cId="3741103209" sldId="2745"/>
+            <ac:spMk id="17" creationId="{9E05FFCA-3371-AF5C-381D-71D984055F5A}"/>
+          </ac:spMkLst>
+        </pc:spChg>
+      </pc:sldChg>
+      <pc:sldChg chg="modSp mod">
+        <pc:chgData name="Xin Luo" userId="82312ee5779919a4" providerId="LiveId" clId="{A508F461-0D73-864F-B88A-277BCD613B0A}" dt="2023-09-11T01:25:10.921" v="46" actId="1035"/>
+        <pc:sldMkLst>
+          <pc:docMk/>
+          <pc:sldMk cId="2081473989" sldId="2748"/>
+        </pc:sldMkLst>
+        <pc:spChg chg="mod">
+          <ac:chgData name="Xin Luo" userId="82312ee5779919a4" providerId="LiveId" clId="{A508F461-0D73-864F-B88A-277BCD613B0A}" dt="2023-09-11T01:25:10.921" v="46" actId="1035"/>
+          <ac:spMkLst>
+            <pc:docMk/>
+            <pc:sldMk cId="2081473989" sldId="2748"/>
+            <ac:spMk id="15" creationId="{DAE75BEB-15B0-6AD3-FEA5-24688F0C9399}"/>
+          </ac:spMkLst>
+        </pc:spChg>
+        <pc:spChg chg="mod">
+          <ac:chgData name="Xin Luo" userId="82312ee5779919a4" providerId="LiveId" clId="{A508F461-0D73-864F-B88A-277BCD613B0A}" dt="2023-09-11T01:25:10.921" v="46" actId="1035"/>
+          <ac:spMkLst>
+            <pc:docMk/>
+            <pc:sldMk cId="2081473989" sldId="2748"/>
+            <ac:spMk id="16" creationId="{011A1F98-9159-4FE6-698D-1B0B7EFC1F4C}"/>
+          </ac:spMkLst>
+        </pc:spChg>
+        <pc:spChg chg="mod">
+          <ac:chgData name="Xin Luo" userId="82312ee5779919a4" providerId="LiveId" clId="{A508F461-0D73-864F-B88A-277BCD613B0A}" dt="2023-09-11T01:25:03.190" v="37" actId="2710"/>
+          <ac:spMkLst>
+            <pc:docMk/>
+            <pc:sldMk cId="2081473989" sldId="2748"/>
+            <ac:spMk id="17" creationId="{9E05FFCA-3371-AF5C-381D-71D984055F5A}"/>
+          </ac:spMkLst>
+        </pc:spChg>
+        <pc:picChg chg="mod">
+          <ac:chgData name="Xin Luo" userId="82312ee5779919a4" providerId="LiveId" clId="{A508F461-0D73-864F-B88A-277BCD613B0A}" dt="2023-09-11T01:25:10.921" v="46" actId="1035"/>
+          <ac:picMkLst>
+            <pc:docMk/>
+            <pc:sldMk cId="2081473989" sldId="2748"/>
+            <ac:picMk id="8" creationId="{79143EB1-6171-6D6B-E065-52F98AD03CCA}"/>
+          </ac:picMkLst>
+        </pc:picChg>
+        <pc:picChg chg="mod">
+          <ac:chgData name="Xin Luo" userId="82312ee5779919a4" providerId="LiveId" clId="{A508F461-0D73-864F-B88A-277BCD613B0A}" dt="2023-09-11T01:25:10.921" v="46" actId="1035"/>
+          <ac:picMkLst>
+            <pc:docMk/>
+            <pc:sldMk cId="2081473989" sldId="2748"/>
+            <ac:picMk id="12" creationId="{CD5784D5-D55B-B02C-C48B-B4566A95D7A5}"/>
+          </ac:picMkLst>
+        </pc:picChg>
+      </pc:sldChg>
+      <pc:sldChg chg="modSp mod">
+        <pc:chgData name="Xin Luo" userId="82312ee5779919a4" providerId="LiveId" clId="{A508F461-0D73-864F-B88A-277BCD613B0A}" dt="2023-09-11T01:23:28.376" v="25" actId="1037"/>
+        <pc:sldMkLst>
+          <pc:docMk/>
+          <pc:sldMk cId="2927474256" sldId="2754"/>
+        </pc:sldMkLst>
+        <pc:spChg chg="mod">
+          <ac:chgData name="Xin Luo" userId="82312ee5779919a4" providerId="LiveId" clId="{A508F461-0D73-864F-B88A-277BCD613B0A}" dt="2023-09-11T01:23:28.376" v="25" actId="1037"/>
+          <ac:spMkLst>
+            <pc:docMk/>
+            <pc:sldMk cId="2927474256" sldId="2754"/>
+            <ac:spMk id="17" creationId="{8CFF8A22-C033-47DF-8707-CA76F142CBBA}"/>
+          </ac:spMkLst>
+        </pc:spChg>
+        <pc:grpChg chg="mod">
+          <ac:chgData name="Xin Luo" userId="82312ee5779919a4" providerId="LiveId" clId="{A508F461-0D73-864F-B88A-277BCD613B0A}" dt="2023-09-11T01:23:15.792" v="0" actId="1037"/>
+          <ac:grpSpMkLst>
+            <pc:docMk/>
+            <pc:sldMk cId="2927474256" sldId="2754"/>
+            <ac:grpSpMk id="20" creationId="{8AA7B3E2-1D42-96C9-43F0-1F320D3EFD63}"/>
+          </ac:grpSpMkLst>
+        </pc:grpChg>
+        <pc:picChg chg="mod">
+          <ac:chgData name="Xin Luo" userId="82312ee5779919a4" providerId="LiveId" clId="{A508F461-0D73-864F-B88A-277BCD613B0A}" dt="2023-09-11T01:23:18.846" v="10" actId="1038"/>
+          <ac:picMkLst>
+            <pc:docMk/>
+            <pc:sldMk cId="2927474256" sldId="2754"/>
+            <ac:picMk id="9" creationId="{0CF46726-2B51-43A4-FDEF-A6131C46F05F}"/>
+          </ac:picMkLst>
+        </pc:picChg>
+      </pc:sldChg>
+    </pc:docChg>
+  </pc:docChgLst>
+  <pc:docChgLst>
     <pc:chgData name="Xin Luo" userId="82312ee5779919a4" providerId="LiveId" clId="{82BFAA31-791A-9843-976C-3AAFAA5AC07D}"/>
     <pc:docChg chg="undo custSel addSld delSld modSld">
       <pc:chgData name="Xin Luo" userId="82312ee5779919a4" providerId="LiveId" clId="{82BFAA31-791A-9843-976C-3AAFAA5AC07D}" dt="2023-03-05T13:50:34.172" v="6224" actId="1035"/>
@@ -5796,138 +5927,6 @@
           <pc:docMk/>
           <pc:sldMk cId="1628918360" sldId="2751"/>
         </pc:sldMkLst>
-      </pc:sldChg>
-    </pc:docChg>
-  </pc:docChgLst>
-  <pc:docChgLst>
-    <pc:chgData name="Xin Luo" userId="82312ee5779919a4" providerId="LiveId" clId="{A508F461-0D73-864F-B88A-277BCD613B0A}"/>
-    <pc:docChg chg="modSld">
-      <pc:chgData name="Xin Luo" userId="82312ee5779919a4" providerId="LiveId" clId="{A508F461-0D73-864F-B88A-277BCD613B0A}" dt="2023-09-11T02:08:48.074" v="121" actId="1076"/>
-      <pc:docMkLst>
-        <pc:docMk/>
-      </pc:docMkLst>
-      <pc:sldChg chg="modSp mod">
-        <pc:chgData name="Xin Luo" userId="82312ee5779919a4" providerId="LiveId" clId="{A508F461-0D73-864F-B88A-277BCD613B0A}" dt="2023-09-11T01:25:36.157" v="49" actId="255"/>
-        <pc:sldMkLst>
-          <pc:docMk/>
-          <pc:sldMk cId="1209572041" sldId="2722"/>
-        </pc:sldMkLst>
-        <pc:spChg chg="mod">
-          <ac:chgData name="Xin Luo" userId="82312ee5779919a4" providerId="LiveId" clId="{A508F461-0D73-864F-B88A-277BCD613B0A}" dt="2023-09-11T01:25:36.157" v="49" actId="255"/>
-          <ac:spMkLst>
-            <pc:docMk/>
-            <pc:sldMk cId="1209572041" sldId="2722"/>
-            <ac:spMk id="13" creationId="{303BC878-BC57-D350-27A3-F03AE48213AC}"/>
-          </ac:spMkLst>
-        </pc:spChg>
-      </pc:sldChg>
-      <pc:sldChg chg="modSp mod">
-        <pc:chgData name="Xin Luo" userId="82312ee5779919a4" providerId="LiveId" clId="{A508F461-0D73-864F-B88A-277BCD613B0A}" dt="2023-09-11T02:08:48.074" v="121" actId="1076"/>
-        <pc:sldMkLst>
-          <pc:docMk/>
-          <pc:sldMk cId="3151170836" sldId="2742"/>
-        </pc:sldMkLst>
-        <pc:spChg chg="mod">
-          <ac:chgData name="Xin Luo" userId="82312ee5779919a4" providerId="LiveId" clId="{A508F461-0D73-864F-B88A-277BCD613B0A}" dt="2023-09-11T02:08:48.074" v="121" actId="1076"/>
-          <ac:spMkLst>
-            <pc:docMk/>
-            <pc:sldMk cId="3151170836" sldId="2742"/>
-            <ac:spMk id="6" creationId="{FA343B24-C04E-C7D0-D427-DA131ECB74AB}"/>
-          </ac:spMkLst>
-        </pc:spChg>
-      </pc:sldChg>
-      <pc:sldChg chg="modSp mod">
-        <pc:chgData name="Xin Luo" userId="82312ee5779919a4" providerId="LiveId" clId="{A508F461-0D73-864F-B88A-277BCD613B0A}" dt="2023-09-11T01:24:19.474" v="26" actId="255"/>
-        <pc:sldMkLst>
-          <pc:docMk/>
-          <pc:sldMk cId="3741103209" sldId="2745"/>
-        </pc:sldMkLst>
-        <pc:spChg chg="mod">
-          <ac:chgData name="Xin Luo" userId="82312ee5779919a4" providerId="LiveId" clId="{A508F461-0D73-864F-B88A-277BCD613B0A}" dt="2023-09-11T01:24:19.474" v="26" actId="255"/>
-          <ac:spMkLst>
-            <pc:docMk/>
-            <pc:sldMk cId="3741103209" sldId="2745"/>
-            <ac:spMk id="17" creationId="{9E05FFCA-3371-AF5C-381D-71D984055F5A}"/>
-          </ac:spMkLst>
-        </pc:spChg>
-      </pc:sldChg>
-      <pc:sldChg chg="modSp mod">
-        <pc:chgData name="Xin Luo" userId="82312ee5779919a4" providerId="LiveId" clId="{A508F461-0D73-864F-B88A-277BCD613B0A}" dt="2023-09-11T01:25:10.921" v="46" actId="1035"/>
-        <pc:sldMkLst>
-          <pc:docMk/>
-          <pc:sldMk cId="2081473989" sldId="2748"/>
-        </pc:sldMkLst>
-        <pc:spChg chg="mod">
-          <ac:chgData name="Xin Luo" userId="82312ee5779919a4" providerId="LiveId" clId="{A508F461-0D73-864F-B88A-277BCD613B0A}" dt="2023-09-11T01:25:10.921" v="46" actId="1035"/>
-          <ac:spMkLst>
-            <pc:docMk/>
-            <pc:sldMk cId="2081473989" sldId="2748"/>
-            <ac:spMk id="15" creationId="{DAE75BEB-15B0-6AD3-FEA5-24688F0C9399}"/>
-          </ac:spMkLst>
-        </pc:spChg>
-        <pc:spChg chg="mod">
-          <ac:chgData name="Xin Luo" userId="82312ee5779919a4" providerId="LiveId" clId="{A508F461-0D73-864F-B88A-277BCD613B0A}" dt="2023-09-11T01:25:10.921" v="46" actId="1035"/>
-          <ac:spMkLst>
-            <pc:docMk/>
-            <pc:sldMk cId="2081473989" sldId="2748"/>
-            <ac:spMk id="16" creationId="{011A1F98-9159-4FE6-698D-1B0B7EFC1F4C}"/>
-          </ac:spMkLst>
-        </pc:spChg>
-        <pc:spChg chg="mod">
-          <ac:chgData name="Xin Luo" userId="82312ee5779919a4" providerId="LiveId" clId="{A508F461-0D73-864F-B88A-277BCD613B0A}" dt="2023-09-11T01:25:03.190" v="37" actId="2710"/>
-          <ac:spMkLst>
-            <pc:docMk/>
-            <pc:sldMk cId="2081473989" sldId="2748"/>
-            <ac:spMk id="17" creationId="{9E05FFCA-3371-AF5C-381D-71D984055F5A}"/>
-          </ac:spMkLst>
-        </pc:spChg>
-        <pc:picChg chg="mod">
-          <ac:chgData name="Xin Luo" userId="82312ee5779919a4" providerId="LiveId" clId="{A508F461-0D73-864F-B88A-277BCD613B0A}" dt="2023-09-11T01:25:10.921" v="46" actId="1035"/>
-          <ac:picMkLst>
-            <pc:docMk/>
-            <pc:sldMk cId="2081473989" sldId="2748"/>
-            <ac:picMk id="8" creationId="{79143EB1-6171-6D6B-E065-52F98AD03CCA}"/>
-          </ac:picMkLst>
-        </pc:picChg>
-        <pc:picChg chg="mod">
-          <ac:chgData name="Xin Luo" userId="82312ee5779919a4" providerId="LiveId" clId="{A508F461-0D73-864F-B88A-277BCD613B0A}" dt="2023-09-11T01:25:10.921" v="46" actId="1035"/>
-          <ac:picMkLst>
-            <pc:docMk/>
-            <pc:sldMk cId="2081473989" sldId="2748"/>
-            <ac:picMk id="12" creationId="{CD5784D5-D55B-B02C-C48B-B4566A95D7A5}"/>
-          </ac:picMkLst>
-        </pc:picChg>
-      </pc:sldChg>
-      <pc:sldChg chg="modSp mod">
-        <pc:chgData name="Xin Luo" userId="82312ee5779919a4" providerId="LiveId" clId="{A508F461-0D73-864F-B88A-277BCD613B0A}" dt="2023-09-11T01:23:28.376" v="25" actId="1037"/>
-        <pc:sldMkLst>
-          <pc:docMk/>
-          <pc:sldMk cId="2927474256" sldId="2754"/>
-        </pc:sldMkLst>
-        <pc:spChg chg="mod">
-          <ac:chgData name="Xin Luo" userId="82312ee5779919a4" providerId="LiveId" clId="{A508F461-0D73-864F-B88A-277BCD613B0A}" dt="2023-09-11T01:23:28.376" v="25" actId="1037"/>
-          <ac:spMkLst>
-            <pc:docMk/>
-            <pc:sldMk cId="2927474256" sldId="2754"/>
-            <ac:spMk id="17" creationId="{8CFF8A22-C033-47DF-8707-CA76F142CBBA}"/>
-          </ac:spMkLst>
-        </pc:spChg>
-        <pc:grpChg chg="mod">
-          <ac:chgData name="Xin Luo" userId="82312ee5779919a4" providerId="LiveId" clId="{A508F461-0D73-864F-B88A-277BCD613B0A}" dt="2023-09-11T01:23:15.792" v="0" actId="1037"/>
-          <ac:grpSpMkLst>
-            <pc:docMk/>
-            <pc:sldMk cId="2927474256" sldId="2754"/>
-            <ac:grpSpMk id="20" creationId="{8AA7B3E2-1D42-96C9-43F0-1F320D3EFD63}"/>
-          </ac:grpSpMkLst>
-        </pc:grpChg>
-        <pc:picChg chg="mod">
-          <ac:chgData name="Xin Luo" userId="82312ee5779919a4" providerId="LiveId" clId="{A508F461-0D73-864F-B88A-277BCD613B0A}" dt="2023-09-11T01:23:18.846" v="10" actId="1038"/>
-          <ac:picMkLst>
-            <pc:docMk/>
-            <pc:sldMk cId="2927474256" sldId="2754"/>
-            <ac:picMk id="9" creationId="{0CF46726-2B51-43A4-FDEF-A6131C46F05F}"/>
-          </ac:picMkLst>
-        </pc:picChg>
       </pc:sldChg>
     </pc:docChg>
   </pc:docChgLst>
@@ -6341,7 +6340,7 @@
               </a14:hiddenFill>
             </a:ext>
             <a:ext uri="{FAA26D3D-D897-4be2-8F04-BA451C77F1D7}">
-              <ma14:placeholderFlag xmlns:ma14="http://schemas.microsoft.com/office/mac/drawingml/2011/main" xmlns="" val="1"/>
+              <ma14:placeholderFlag xmlns="" xmlns:ma14="http://schemas.microsoft.com/office/mac/drawingml/2011/main" val="1"/>
             </a:ext>
           </a:extLst>
         </p:spPr>
@@ -6729,7 +6728,7 @@
               </a14:hiddenLine>
             </a:ext>
             <a:ext uri="{FAA26D3D-D897-4be2-8F04-BA451C77F1D7}">
-              <ma14:placeholderFlag xmlns:ma14="http://schemas.microsoft.com/office/mac/drawingml/2011/main" xmlns="" val="1"/>
+              <ma14:placeholderFlag xmlns="" xmlns:ma14="http://schemas.microsoft.com/office/mac/drawingml/2011/main" val="1"/>
             </a:ext>
           </a:extLst>
         </p:spPr>
@@ -10226,7 +10225,7 @@
               </a14:hiddenLine>
             </a:ext>
             <a:ext uri="{FAA26D3D-D897-4be2-8F04-BA451C77F1D7}">
-              <ma14:placeholderFlag xmlns:ma14="http://schemas.microsoft.com/office/mac/drawingml/2011/main" xmlns="" val="1"/>
+              <ma14:placeholderFlag xmlns="" xmlns:ma14="http://schemas.microsoft.com/office/mac/drawingml/2011/main" val="1"/>
             </a:ext>
           </a:extLst>
         </p:spPr>
@@ -13922,7 +13921,7 @@
               </a14:hiddenLine>
             </a:ext>
             <a:ext uri="{FAA26D3D-D897-4be2-8F04-BA451C77F1D7}">
-              <ma14:placeholderFlag xmlns:ma14="http://schemas.microsoft.com/office/mac/drawingml/2011/main" xmlns="" val="1"/>
+              <ma14:placeholderFlag xmlns="" xmlns:ma14="http://schemas.microsoft.com/office/mac/drawingml/2011/main" val="1"/>
             </a:ext>
           </a:extLst>
         </p:spPr>
@@ -22313,65 +22312,7 @@
       </p:grpSpPr>
       <p:sp>
         <p:nvSpPr>
-          <p:cNvPr id="2" name="灯片编号占位符 1">
-            <a:extLst>
-              <a:ext uri="{FF2B5EF4-FFF2-40B4-BE49-F238E27FC236}">
-                <a16:creationId xmlns:a16="http://schemas.microsoft.com/office/drawing/2014/main" id="{B8475861-7AB6-DFCC-4101-9AA444FD6CC7}"/>
-              </a:ext>
-            </a:extLst>
-          </p:cNvPr>
-          <p:cNvSpPr>
-            <a:spLocks noGrp="1"/>
-          </p:cNvSpPr>
-          <p:nvPr>
-            <p:ph type="sldNum" sz="quarter" idx="12"/>
-          </p:nvPr>
-        </p:nvSpPr>
-        <p:spPr/>
-        <p:txBody>
-          <a:bodyPr/>
-          <a:lstStyle/>
-          <a:p>
-            <a:r>
-              <a:rPr lang="en-US" altLang="zh-CN">
-                <a:solidFill>
-                  <a:prstClr val="black">
-                    <a:tint val="75000"/>
-                  </a:prstClr>
-                </a:solidFill>
-              </a:rPr>
-              <a:t>Page </a:t>
-            </a:r>
-            <a:fld id="{5B7D6B44-8869-44D6-9B46-FD9D3C769EB1}" type="slidenum">
-              <a:rPr lang="zh-CN" altLang="en-US" smtClean="0">
-                <a:solidFill>
-                  <a:prstClr val="black">
-                    <a:tint val="75000"/>
-                  </a:prstClr>
-                </a:solidFill>
-              </a:rPr>
-              <a:pPr/>
-              <a:t>20</a:t>
-            </a:fld>
-            <a:endParaRPr lang="zh-CN" altLang="en-US">
-              <a:solidFill>
-                <a:prstClr val="black">
-                  <a:tint val="75000"/>
-                </a:prstClr>
-              </a:solidFill>
-            </a:endParaRPr>
-          </a:p>
-        </p:txBody>
-      </p:sp>
-      <p:sp>
-        <p:nvSpPr>
-          <p:cNvPr id="3" name="标题 2">
-            <a:extLst>
-              <a:ext uri="{FF2B5EF4-FFF2-40B4-BE49-F238E27FC236}">
-                <a16:creationId xmlns:a16="http://schemas.microsoft.com/office/drawing/2014/main" id="{6F42ACB7-D51C-34C3-D30A-8B8EA0944212}"/>
-              </a:ext>
-            </a:extLst>
-          </p:cNvPr>
+          <p:cNvPr id="3" name="标题 2"/>
           <p:cNvSpPr>
             <a:spLocks noGrp="1"/>
           </p:cNvSpPr>
@@ -22379,21 +22320,46 @@
             <p:ph type="title"/>
           </p:nvPr>
         </p:nvSpPr>
-        <p:spPr/>
+        <p:spPr>
+          <a:xfrm>
+            <a:off x="2" y="8526"/>
+            <a:ext cx="9013371" cy="792163"/>
+          </a:xfrm>
+        </p:spPr>
         <p:txBody>
           <a:bodyPr/>
           <a:lstStyle/>
           <a:p>
-            <a:endParaRPr lang="zh-CN" altLang="en-US"/>
+            <a:r>
+              <a:rPr lang="zh-CN" altLang="en-US" dirty="0">
+                <a:latin typeface="+mn-ea"/>
+              </a:rPr>
+              <a:t>二、</a:t>
+            </a:r>
+            <a:r>
+              <a:rPr lang="en-US" altLang="zh-CN" dirty="0">
+                <a:latin typeface="微软雅黑" pitchFamily="34" charset="-122"/>
+                <a:ea typeface="微软雅黑" pitchFamily="34" charset="-122"/>
+              </a:rPr>
+              <a:t>OGR</a:t>
+            </a:r>
+            <a:r>
+              <a:rPr lang="zh-CN" altLang="en-US" dirty="0">
+                <a:latin typeface="微软雅黑" pitchFamily="34" charset="-122"/>
+                <a:ea typeface="微软雅黑" pitchFamily="34" charset="-122"/>
+              </a:rPr>
+              <a:t>开源库介绍</a:t>
+            </a:r>
+            <a:endParaRPr lang="zh-CN" altLang="en-US" dirty="0"/>
           </a:p>
         </p:txBody>
       </p:sp>
       <p:sp>
         <p:nvSpPr>
-          <p:cNvPr id="5" name="文本框 4">
+          <p:cNvPr id="2" name="TextBox 1">
             <a:extLst>
               <a:ext uri="{FF2B5EF4-FFF2-40B4-BE49-F238E27FC236}">
-                <a16:creationId xmlns:a16="http://schemas.microsoft.com/office/drawing/2014/main" id="{8131E014-CD51-DE71-E35B-76823060A22B}"/>
+                <a16:creationId xmlns:a16="http://schemas.microsoft.com/office/drawing/2014/main" id="{631AADB6-C88A-D817-4683-FC087E4E240F}"/>
               </a:ext>
             </a:extLst>
           </p:cNvPr>
@@ -22402,8 +22368,111 @@
         </p:nvSpPr>
         <p:spPr>
           <a:xfrm>
-            <a:off x="620487" y="2140076"/>
-            <a:ext cx="7191102" cy="2400657"/>
+            <a:off x="317668" y="846751"/>
+            <a:ext cx="8508671" cy="662554"/>
+          </a:xfrm>
+          <a:prstGeom prst="rect">
+            <a:avLst/>
+          </a:prstGeom>
+          <a:noFill/>
+        </p:spPr>
+        <p:txBody>
+          <a:bodyPr wrap="square" rtlCol="0">
+            <a:spAutoFit/>
+          </a:bodyPr>
+          <a:lstStyle/>
+          <a:p>
+            <a:pPr algn="just">
+              <a:lnSpc>
+                <a:spcPct val="150000"/>
+              </a:lnSpc>
+            </a:pPr>
+            <a:r>
+              <a:rPr lang="en-US" altLang="zh-CN" sz="2800" b="1" dirty="0">
+                <a:solidFill>
+                  <a:srgbClr val="333333"/>
+                </a:solidFill>
+                <a:latin typeface="+mn-ea"/>
+                <a:ea typeface="+mn-ea"/>
+              </a:rPr>
+              <a:t>2</a:t>
+            </a:r>
+            <a:r>
+              <a:rPr lang="zh-CN" altLang="en-US" sz="2800" b="1" dirty="0">
+                <a:solidFill>
+                  <a:srgbClr val="333333"/>
+                </a:solidFill>
+                <a:latin typeface="+mn-ea"/>
+                <a:ea typeface="+mn-ea"/>
+              </a:rPr>
+              <a:t>、</a:t>
+            </a:r>
+            <a:r>
+              <a:rPr lang="en-US" altLang="zh-CN" sz="2800" b="1" dirty="0" err="1">
+                <a:solidFill>
+                  <a:srgbClr val="333333"/>
+                </a:solidFill>
+                <a:latin typeface="+mn-ea"/>
+                <a:ea typeface="+mn-ea"/>
+              </a:rPr>
+              <a:t>ogr</a:t>
+            </a:r>
+            <a:r>
+              <a:rPr lang="zh-CN" altLang="en-US" sz="2800" b="1" dirty="0">
+                <a:solidFill>
+                  <a:srgbClr val="333333"/>
+                </a:solidFill>
+                <a:latin typeface="+mn-ea"/>
+                <a:ea typeface="+mn-ea"/>
+              </a:rPr>
+              <a:t>矢量数据处理</a:t>
+            </a:r>
+            <a:r>
+              <a:rPr lang="en-US" altLang="zh-CN" sz="2800" b="1" dirty="0">
+                <a:solidFill>
+                  <a:srgbClr val="333333"/>
+                </a:solidFill>
+                <a:latin typeface="+mn-ea"/>
+                <a:ea typeface="+mn-ea"/>
+              </a:rPr>
+              <a:t>-</a:t>
+            </a:r>
+            <a:r>
+              <a:rPr lang="zh-CN" altLang="en-US" sz="2800" b="1" dirty="0">
+                <a:solidFill>
+                  <a:srgbClr val="333333"/>
+                </a:solidFill>
+                <a:latin typeface="+mn-ea"/>
+                <a:ea typeface="+mn-ea"/>
+              </a:rPr>
+              <a:t>几何对象描述</a:t>
+            </a:r>
+            <a:endParaRPr lang="en-US" altLang="zh-CN" sz="2800" b="1" dirty="0">
+              <a:solidFill>
+                <a:srgbClr val="333333"/>
+              </a:solidFill>
+              <a:latin typeface="+mn-ea"/>
+              <a:ea typeface="+mn-ea"/>
+            </a:endParaRPr>
+          </a:p>
+        </p:txBody>
+      </p:sp>
+      <p:sp>
+        <p:nvSpPr>
+          <p:cNvPr id="4" name="TextBox 4">
+            <a:extLst>
+              <a:ext uri="{FF2B5EF4-FFF2-40B4-BE49-F238E27FC236}">
+                <a16:creationId xmlns:a16="http://schemas.microsoft.com/office/drawing/2014/main" id="{D44C56F3-FFA7-3E9D-7AF2-7B99ECE7A75E}"/>
+              </a:ext>
+            </a:extLst>
+          </p:cNvPr>
+          <p:cNvSpPr txBox="1"/>
+          <p:nvPr/>
+        </p:nvSpPr>
+        <p:spPr>
+          <a:xfrm>
+            <a:off x="317668" y="1641138"/>
+            <a:ext cx="8695705" cy="4643707"/>
           </a:xfrm>
           <a:prstGeom prst="rect">
             <a:avLst/>
@@ -22416,28 +22485,298 @@
           </a:bodyPr>
           <a:lstStyle/>
           <a:p>
-            <a:r>
-              <a:rPr lang="zh-CN" altLang="en-US" sz="6000" b="1" dirty="0">
-                <a:solidFill>
-                  <a:srgbClr val="FF0000"/>
-                </a:solidFill>
-              </a:rPr>
-              <a:t>#腾讯会议：</a:t>
-            </a:r>
-            <a:endParaRPr lang="en-US" altLang="zh-CN" sz="6000" b="1" dirty="0">
-              <a:solidFill>
-                <a:srgbClr val="FF0000"/>
-              </a:solidFill>
-            </a:endParaRPr>
-          </a:p>
-          <a:p>
-            <a:r>
-              <a:rPr lang="zh-CN" altLang="en-US" sz="6000" b="1" dirty="0">
-                <a:solidFill>
-                  <a:srgbClr val="FF0000"/>
-                </a:solidFill>
-              </a:rPr>
-              <a:t>486-328-696</a:t>
+            <a:pPr algn="just">
+              <a:lnSpc>
+                <a:spcPct val="150000"/>
+              </a:lnSpc>
+            </a:pPr>
+            <a:r>
+              <a:rPr lang="en-US" altLang="zh-CN" dirty="0" err="1">
+                <a:solidFill>
+                  <a:srgbClr val="151515"/>
+                </a:solidFill>
+                <a:latin typeface="+mn-ea"/>
+                <a:ea typeface="+mn-ea"/>
+              </a:rPr>
+              <a:t>Wkt</a:t>
+            </a:r>
+            <a:r>
+              <a:rPr lang="zh-CN" altLang="en-US" dirty="0">
+                <a:solidFill>
+                  <a:srgbClr val="151515"/>
+                </a:solidFill>
+                <a:latin typeface="+mn-ea"/>
+                <a:ea typeface="+mn-ea"/>
+              </a:rPr>
+              <a:t>（</a:t>
+            </a:r>
+            <a:r>
+              <a:rPr lang="en-US" altLang="zh-CN" dirty="0">
+                <a:solidFill>
+                  <a:srgbClr val="151515"/>
+                </a:solidFill>
+                <a:latin typeface="+mn-ea"/>
+                <a:ea typeface="+mn-ea"/>
+              </a:rPr>
+              <a:t>well-known text</a:t>
+            </a:r>
+            <a:r>
+              <a:rPr lang="zh-CN" altLang="en-US" dirty="0">
+                <a:solidFill>
+                  <a:srgbClr val="151515"/>
+                </a:solidFill>
+                <a:latin typeface="+mn-ea"/>
+                <a:ea typeface="+mn-ea"/>
+              </a:rPr>
+              <a:t>）和</a:t>
+            </a:r>
+            <a:r>
+              <a:rPr lang="en-US" altLang="zh-CN" dirty="0" err="1">
+                <a:solidFill>
+                  <a:srgbClr val="151515"/>
+                </a:solidFill>
+                <a:latin typeface="+mn-ea"/>
+                <a:ea typeface="+mn-ea"/>
+              </a:rPr>
+              <a:t>wkb</a:t>
+            </a:r>
+            <a:r>
+              <a:rPr lang="zh-CN" altLang="en-US" dirty="0">
+                <a:solidFill>
+                  <a:srgbClr val="151515"/>
+                </a:solidFill>
+                <a:latin typeface="+mn-ea"/>
+                <a:ea typeface="+mn-ea"/>
+              </a:rPr>
+              <a:t>（</a:t>
+            </a:r>
+            <a:r>
+              <a:rPr lang="en-US" altLang="zh-CN" dirty="0">
+                <a:solidFill>
+                  <a:srgbClr val="151515"/>
+                </a:solidFill>
+                <a:latin typeface="+mn-ea"/>
+                <a:ea typeface="+mn-ea"/>
+              </a:rPr>
+              <a:t> well-known binary</a:t>
+            </a:r>
+            <a:r>
+              <a:rPr lang="zh-CN" altLang="en-US" dirty="0">
+                <a:solidFill>
+                  <a:srgbClr val="151515"/>
+                </a:solidFill>
+                <a:latin typeface="+mn-ea"/>
+                <a:ea typeface="+mn-ea"/>
+              </a:rPr>
+              <a:t>）是</a:t>
+            </a:r>
+            <a:r>
+              <a:rPr lang="en-US" altLang="zh-CN" dirty="0">
+                <a:solidFill>
+                  <a:srgbClr val="151515"/>
+                </a:solidFill>
+                <a:latin typeface="+mn-ea"/>
+                <a:ea typeface="+mn-ea"/>
+              </a:rPr>
+              <a:t>OGC</a:t>
+            </a:r>
+            <a:r>
+              <a:rPr lang="zh-CN" altLang="en-US" dirty="0">
+                <a:solidFill>
+                  <a:srgbClr val="151515"/>
+                </a:solidFill>
+                <a:latin typeface="+mn-ea"/>
+                <a:ea typeface="+mn-ea"/>
+              </a:rPr>
+              <a:t>制定的空间数据的组织规范，</a:t>
+            </a:r>
+            <a:r>
+              <a:rPr lang="en-US" altLang="zh-CN" b="1" dirty="0" err="1">
+                <a:solidFill>
+                  <a:srgbClr val="151515"/>
+                </a:solidFill>
+                <a:latin typeface="+mn-ea"/>
+                <a:ea typeface="+mn-ea"/>
+              </a:rPr>
+              <a:t>wkt</a:t>
+            </a:r>
+            <a:r>
+              <a:rPr lang="zh-CN" altLang="en-US" b="1" dirty="0">
+                <a:solidFill>
+                  <a:srgbClr val="151515"/>
+                </a:solidFill>
+                <a:latin typeface="+mn-ea"/>
+                <a:ea typeface="+mn-ea"/>
+              </a:rPr>
+              <a:t>是以文本形式描述</a:t>
+            </a:r>
+            <a:r>
+              <a:rPr lang="zh-CN" altLang="en-US" dirty="0">
+                <a:solidFill>
+                  <a:srgbClr val="151515"/>
+                </a:solidFill>
+                <a:latin typeface="+mn-ea"/>
+                <a:ea typeface="+mn-ea"/>
+              </a:rPr>
+              <a:t>，</a:t>
+            </a:r>
+            <a:r>
+              <a:rPr lang="en-US" altLang="zh-CN" b="1" dirty="0" err="1">
+                <a:solidFill>
+                  <a:srgbClr val="151515"/>
+                </a:solidFill>
+                <a:latin typeface="+mn-ea"/>
+                <a:ea typeface="+mn-ea"/>
+              </a:rPr>
+              <a:t>wkb</a:t>
+            </a:r>
+            <a:r>
+              <a:rPr lang="zh-CN" altLang="en-US" b="1" dirty="0">
+                <a:solidFill>
+                  <a:srgbClr val="151515"/>
+                </a:solidFill>
+                <a:latin typeface="+mn-ea"/>
+                <a:ea typeface="+mn-ea"/>
+              </a:rPr>
+              <a:t>是以二进制形式描述</a:t>
+            </a:r>
+            <a:r>
+              <a:rPr lang="zh-CN" altLang="en-US" dirty="0">
+                <a:solidFill>
+                  <a:srgbClr val="151515"/>
+                </a:solidFill>
+                <a:latin typeface="+mn-ea"/>
+                <a:ea typeface="+mn-ea"/>
+              </a:rPr>
+              <a:t>。   </a:t>
+            </a:r>
+          </a:p>
+          <a:p>
+            <a:pPr algn="just">
+              <a:lnSpc>
+                <a:spcPct val="150000"/>
+              </a:lnSpc>
+            </a:pPr>
+            <a:r>
+              <a:rPr lang="zh-CN" altLang="en-US" dirty="0">
+                <a:solidFill>
+                  <a:srgbClr val="151515"/>
+                </a:solidFill>
+                <a:latin typeface="+mn-ea"/>
+                <a:ea typeface="+mn-ea"/>
+              </a:rPr>
+              <a:t>示例</a:t>
+            </a:r>
+            <a:r>
+              <a:rPr lang="en-US" altLang="zh-CN" dirty="0">
+                <a:solidFill>
+                  <a:srgbClr val="151515"/>
+                </a:solidFill>
+                <a:latin typeface="+mn-ea"/>
+                <a:ea typeface="+mn-ea"/>
+              </a:rPr>
+              <a:t>:  </a:t>
+            </a:r>
+          </a:p>
+          <a:p>
+            <a:pPr algn="just">
+              <a:lnSpc>
+                <a:spcPct val="150000"/>
+              </a:lnSpc>
+            </a:pPr>
+            <a:r>
+              <a:rPr lang="en-US" altLang="zh-CN" b="1" dirty="0">
+                <a:solidFill>
+                  <a:srgbClr val="151515"/>
+                </a:solidFill>
+                <a:latin typeface="+mn-ea"/>
+                <a:ea typeface="+mn-ea"/>
+              </a:rPr>
+              <a:t>Point</a:t>
+            </a:r>
+            <a:r>
+              <a:rPr lang="en-US" altLang="zh-CN" dirty="0">
+                <a:solidFill>
+                  <a:srgbClr val="151515"/>
+                </a:solidFill>
+                <a:latin typeface="+mn-ea"/>
+                <a:ea typeface="+mn-ea"/>
+              </a:rPr>
+              <a:t>: “POINT (100 30)”  </a:t>
+            </a:r>
+          </a:p>
+          <a:p>
+            <a:pPr algn="just">
+              <a:lnSpc>
+                <a:spcPct val="150000"/>
+              </a:lnSpc>
+            </a:pPr>
+            <a:r>
+              <a:rPr lang="en-US" altLang="zh-CN" b="1" dirty="0" err="1">
+                <a:solidFill>
+                  <a:srgbClr val="151515"/>
+                </a:solidFill>
+                <a:latin typeface="+mn-ea"/>
+                <a:ea typeface="+mn-ea"/>
+              </a:rPr>
+              <a:t>LineString</a:t>
+            </a:r>
+            <a:r>
+              <a:rPr lang="en-US" altLang="zh-CN" dirty="0">
+                <a:solidFill>
+                  <a:srgbClr val="151515"/>
+                </a:solidFill>
+                <a:latin typeface="+mn-ea"/>
+                <a:ea typeface="+mn-ea"/>
+              </a:rPr>
+              <a:t>:</a:t>
+            </a:r>
+            <a:r>
+              <a:rPr lang="en-US" altLang="zh-CN" sz="2200" dirty="0">
+                <a:solidFill>
+                  <a:srgbClr val="151515"/>
+                </a:solidFill>
+                <a:latin typeface="+mn-ea"/>
+                <a:ea typeface="+mn-ea"/>
+              </a:rPr>
+              <a:t>“LINESTRING (120 10, 100 30, 90 20, 70 40) ”  </a:t>
+            </a:r>
+          </a:p>
+          <a:p>
+            <a:pPr algn="just">
+              <a:lnSpc>
+                <a:spcPct val="150000"/>
+              </a:lnSpc>
+            </a:pPr>
+            <a:r>
+              <a:rPr lang="en-US" altLang="zh-CN" b="1" dirty="0">
+                <a:solidFill>
+                  <a:srgbClr val="151515"/>
+                </a:solidFill>
+                <a:latin typeface="+mn-ea"/>
+                <a:ea typeface="+mn-ea"/>
+              </a:rPr>
+              <a:t>Polygon</a:t>
+            </a:r>
+            <a:r>
+              <a:rPr lang="en-US" altLang="zh-CN" dirty="0">
+                <a:solidFill>
+                  <a:srgbClr val="151515"/>
+                </a:solidFill>
+                <a:latin typeface="+mn-ea"/>
+                <a:ea typeface="+mn-ea"/>
+              </a:rPr>
+              <a:t>: </a:t>
+            </a:r>
+            <a:r>
+              <a:rPr lang="en-US" altLang="zh-CN" sz="2000" dirty="0">
+                <a:solidFill>
+                  <a:srgbClr val="151515"/>
+                </a:solidFill>
+                <a:latin typeface="+mn-ea"/>
+                <a:ea typeface="+mn-ea"/>
+              </a:rPr>
+              <a:t>“POLYGON ((130 10, -140 40, 120 40, 110 20, 115 10))”  </a:t>
             </a:r>
           </a:p>
         </p:txBody>
@@ -22445,7 +22784,7 @@
     </p:spTree>
     <p:extLst>
       <p:ext uri="{BB962C8B-B14F-4D97-AF65-F5344CB8AC3E}">
-        <p14:creationId xmlns:p14="http://schemas.microsoft.com/office/powerpoint/2010/main" val="21725450"/>
+        <p14:creationId xmlns:p14="http://schemas.microsoft.com/office/powerpoint/2010/main" val="1418701612"/>
       </p:ext>
     </p:extLst>
   </p:cSld>
@@ -22487,510 +22826,6 @@
         </p:nvSpPr>
         <p:spPr>
           <a:xfrm>
-            <a:off x="2" y="8526"/>
-            <a:ext cx="9013371" cy="792163"/>
-          </a:xfrm>
-        </p:spPr>
-        <p:txBody>
-          <a:bodyPr/>
-          <a:lstStyle/>
-          <a:p>
-            <a:r>
-              <a:rPr lang="zh-CN" altLang="en-US" dirty="0">
-                <a:latin typeface="+mn-ea"/>
-              </a:rPr>
-              <a:t>二、</a:t>
-            </a:r>
-            <a:r>
-              <a:rPr lang="en-US" altLang="zh-CN" dirty="0">
-                <a:latin typeface="微软雅黑" pitchFamily="34" charset="-122"/>
-                <a:ea typeface="微软雅黑" pitchFamily="34" charset="-122"/>
-              </a:rPr>
-              <a:t>OGR</a:t>
-            </a:r>
-            <a:r>
-              <a:rPr lang="zh-CN" altLang="en-US" dirty="0">
-                <a:latin typeface="微软雅黑" pitchFamily="34" charset="-122"/>
-                <a:ea typeface="微软雅黑" pitchFamily="34" charset="-122"/>
-              </a:rPr>
-              <a:t>开源库介绍</a:t>
-            </a:r>
-            <a:endParaRPr lang="zh-CN" altLang="en-US" dirty="0"/>
-          </a:p>
-        </p:txBody>
-      </p:sp>
-      <p:sp>
-        <p:nvSpPr>
-          <p:cNvPr id="2" name="TextBox 1">
-            <a:extLst>
-              <a:ext uri="{FF2B5EF4-FFF2-40B4-BE49-F238E27FC236}">
-                <a16:creationId xmlns:a16="http://schemas.microsoft.com/office/drawing/2014/main" id="{631AADB6-C88A-D817-4683-FC087E4E240F}"/>
-              </a:ext>
-            </a:extLst>
-          </p:cNvPr>
-          <p:cNvSpPr txBox="1"/>
-          <p:nvPr/>
-        </p:nvSpPr>
-        <p:spPr>
-          <a:xfrm>
-            <a:off x="317668" y="846751"/>
-            <a:ext cx="8508671" cy="662554"/>
-          </a:xfrm>
-          <a:prstGeom prst="rect">
-            <a:avLst/>
-          </a:prstGeom>
-          <a:noFill/>
-        </p:spPr>
-        <p:txBody>
-          <a:bodyPr wrap="square" rtlCol="0">
-            <a:spAutoFit/>
-          </a:bodyPr>
-          <a:lstStyle/>
-          <a:p>
-            <a:pPr algn="just">
-              <a:lnSpc>
-                <a:spcPct val="150000"/>
-              </a:lnSpc>
-            </a:pPr>
-            <a:r>
-              <a:rPr lang="en-US" altLang="zh-CN" sz="2800" b="1" dirty="0">
-                <a:solidFill>
-                  <a:srgbClr val="333333"/>
-                </a:solidFill>
-                <a:latin typeface="+mn-ea"/>
-                <a:ea typeface="+mn-ea"/>
-              </a:rPr>
-              <a:t>2</a:t>
-            </a:r>
-            <a:r>
-              <a:rPr lang="zh-CN" altLang="en-US" sz="2800" b="1" dirty="0">
-                <a:solidFill>
-                  <a:srgbClr val="333333"/>
-                </a:solidFill>
-                <a:latin typeface="+mn-ea"/>
-                <a:ea typeface="+mn-ea"/>
-              </a:rPr>
-              <a:t>、</a:t>
-            </a:r>
-            <a:r>
-              <a:rPr lang="en-US" altLang="zh-CN" sz="2800" b="1" dirty="0" err="1">
-                <a:solidFill>
-                  <a:srgbClr val="333333"/>
-                </a:solidFill>
-                <a:latin typeface="+mn-ea"/>
-                <a:ea typeface="+mn-ea"/>
-              </a:rPr>
-              <a:t>ogr</a:t>
-            </a:r>
-            <a:r>
-              <a:rPr lang="zh-CN" altLang="en-US" sz="2800" b="1" dirty="0">
-                <a:solidFill>
-                  <a:srgbClr val="333333"/>
-                </a:solidFill>
-                <a:latin typeface="+mn-ea"/>
-                <a:ea typeface="+mn-ea"/>
-              </a:rPr>
-              <a:t>矢量数据处理</a:t>
-            </a:r>
-            <a:r>
-              <a:rPr lang="en-US" altLang="zh-CN" sz="2800" b="1" dirty="0">
-                <a:solidFill>
-                  <a:srgbClr val="333333"/>
-                </a:solidFill>
-                <a:latin typeface="+mn-ea"/>
-                <a:ea typeface="+mn-ea"/>
-              </a:rPr>
-              <a:t>-</a:t>
-            </a:r>
-            <a:r>
-              <a:rPr lang="zh-CN" altLang="en-US" sz="2800" b="1" dirty="0">
-                <a:solidFill>
-                  <a:srgbClr val="333333"/>
-                </a:solidFill>
-                <a:latin typeface="+mn-ea"/>
-                <a:ea typeface="+mn-ea"/>
-              </a:rPr>
-              <a:t>几何对象描述</a:t>
-            </a:r>
-            <a:endParaRPr lang="en-US" altLang="zh-CN" sz="2800" b="1" dirty="0">
-              <a:solidFill>
-                <a:srgbClr val="333333"/>
-              </a:solidFill>
-              <a:latin typeface="+mn-ea"/>
-              <a:ea typeface="+mn-ea"/>
-            </a:endParaRPr>
-          </a:p>
-        </p:txBody>
-      </p:sp>
-      <p:sp>
-        <p:nvSpPr>
-          <p:cNvPr id="4" name="TextBox 4">
-            <a:extLst>
-              <a:ext uri="{FF2B5EF4-FFF2-40B4-BE49-F238E27FC236}">
-                <a16:creationId xmlns:a16="http://schemas.microsoft.com/office/drawing/2014/main" id="{D44C56F3-FFA7-3E9D-7AF2-7B99ECE7A75E}"/>
-              </a:ext>
-            </a:extLst>
-          </p:cNvPr>
-          <p:cNvSpPr txBox="1"/>
-          <p:nvPr/>
-        </p:nvSpPr>
-        <p:spPr>
-          <a:xfrm>
-            <a:off x="317668" y="1641138"/>
-            <a:ext cx="8695705" cy="4643707"/>
-          </a:xfrm>
-          <a:prstGeom prst="rect">
-            <a:avLst/>
-          </a:prstGeom>
-          <a:noFill/>
-        </p:spPr>
-        <p:txBody>
-          <a:bodyPr wrap="square">
-            <a:spAutoFit/>
-          </a:bodyPr>
-          <a:lstStyle/>
-          <a:p>
-            <a:pPr algn="just">
-              <a:lnSpc>
-                <a:spcPct val="150000"/>
-              </a:lnSpc>
-            </a:pPr>
-            <a:r>
-              <a:rPr lang="en-US" altLang="zh-CN" dirty="0" err="1">
-                <a:solidFill>
-                  <a:srgbClr val="151515"/>
-                </a:solidFill>
-                <a:latin typeface="+mn-ea"/>
-                <a:ea typeface="+mn-ea"/>
-              </a:rPr>
-              <a:t>Wkt</a:t>
-            </a:r>
-            <a:r>
-              <a:rPr lang="zh-CN" altLang="en-US" dirty="0">
-                <a:solidFill>
-                  <a:srgbClr val="151515"/>
-                </a:solidFill>
-                <a:latin typeface="+mn-ea"/>
-                <a:ea typeface="+mn-ea"/>
-              </a:rPr>
-              <a:t>（</a:t>
-            </a:r>
-            <a:r>
-              <a:rPr lang="en-US" altLang="zh-CN" dirty="0">
-                <a:solidFill>
-                  <a:srgbClr val="151515"/>
-                </a:solidFill>
-                <a:latin typeface="+mn-ea"/>
-                <a:ea typeface="+mn-ea"/>
-              </a:rPr>
-              <a:t>well-known text</a:t>
-            </a:r>
-            <a:r>
-              <a:rPr lang="zh-CN" altLang="en-US" dirty="0">
-                <a:solidFill>
-                  <a:srgbClr val="151515"/>
-                </a:solidFill>
-                <a:latin typeface="+mn-ea"/>
-                <a:ea typeface="+mn-ea"/>
-              </a:rPr>
-              <a:t>）和</a:t>
-            </a:r>
-            <a:r>
-              <a:rPr lang="en-US" altLang="zh-CN" dirty="0" err="1">
-                <a:solidFill>
-                  <a:srgbClr val="151515"/>
-                </a:solidFill>
-                <a:latin typeface="+mn-ea"/>
-                <a:ea typeface="+mn-ea"/>
-              </a:rPr>
-              <a:t>wkb</a:t>
-            </a:r>
-            <a:r>
-              <a:rPr lang="zh-CN" altLang="en-US" dirty="0">
-                <a:solidFill>
-                  <a:srgbClr val="151515"/>
-                </a:solidFill>
-                <a:latin typeface="+mn-ea"/>
-                <a:ea typeface="+mn-ea"/>
-              </a:rPr>
-              <a:t>（</a:t>
-            </a:r>
-            <a:r>
-              <a:rPr lang="en-US" altLang="zh-CN" dirty="0">
-                <a:solidFill>
-                  <a:srgbClr val="151515"/>
-                </a:solidFill>
-                <a:latin typeface="+mn-ea"/>
-                <a:ea typeface="+mn-ea"/>
-              </a:rPr>
-              <a:t> well-known binary</a:t>
-            </a:r>
-            <a:r>
-              <a:rPr lang="zh-CN" altLang="en-US" dirty="0">
-                <a:solidFill>
-                  <a:srgbClr val="151515"/>
-                </a:solidFill>
-                <a:latin typeface="+mn-ea"/>
-                <a:ea typeface="+mn-ea"/>
-              </a:rPr>
-              <a:t>）是</a:t>
-            </a:r>
-            <a:r>
-              <a:rPr lang="en-US" altLang="zh-CN" dirty="0">
-                <a:solidFill>
-                  <a:srgbClr val="151515"/>
-                </a:solidFill>
-                <a:latin typeface="+mn-ea"/>
-                <a:ea typeface="+mn-ea"/>
-              </a:rPr>
-              <a:t>OGC</a:t>
-            </a:r>
-            <a:r>
-              <a:rPr lang="zh-CN" altLang="en-US" dirty="0">
-                <a:solidFill>
-                  <a:srgbClr val="151515"/>
-                </a:solidFill>
-                <a:latin typeface="+mn-ea"/>
-                <a:ea typeface="+mn-ea"/>
-              </a:rPr>
-              <a:t>制定的空间数据的组织规范，</a:t>
-            </a:r>
-            <a:r>
-              <a:rPr lang="en-US" altLang="zh-CN" b="1" dirty="0" err="1">
-                <a:solidFill>
-                  <a:srgbClr val="151515"/>
-                </a:solidFill>
-                <a:latin typeface="+mn-ea"/>
-                <a:ea typeface="+mn-ea"/>
-              </a:rPr>
-              <a:t>wkt</a:t>
-            </a:r>
-            <a:r>
-              <a:rPr lang="zh-CN" altLang="en-US" b="1" dirty="0">
-                <a:solidFill>
-                  <a:srgbClr val="151515"/>
-                </a:solidFill>
-                <a:latin typeface="+mn-ea"/>
-                <a:ea typeface="+mn-ea"/>
-              </a:rPr>
-              <a:t>是以文本形式描述</a:t>
-            </a:r>
-            <a:r>
-              <a:rPr lang="zh-CN" altLang="en-US" dirty="0">
-                <a:solidFill>
-                  <a:srgbClr val="151515"/>
-                </a:solidFill>
-                <a:latin typeface="+mn-ea"/>
-                <a:ea typeface="+mn-ea"/>
-              </a:rPr>
-              <a:t>，</a:t>
-            </a:r>
-            <a:r>
-              <a:rPr lang="en-US" altLang="zh-CN" b="1" dirty="0" err="1">
-                <a:solidFill>
-                  <a:srgbClr val="151515"/>
-                </a:solidFill>
-                <a:latin typeface="+mn-ea"/>
-                <a:ea typeface="+mn-ea"/>
-              </a:rPr>
-              <a:t>wkb</a:t>
-            </a:r>
-            <a:r>
-              <a:rPr lang="zh-CN" altLang="en-US" b="1" dirty="0">
-                <a:solidFill>
-                  <a:srgbClr val="151515"/>
-                </a:solidFill>
-                <a:latin typeface="+mn-ea"/>
-                <a:ea typeface="+mn-ea"/>
-              </a:rPr>
-              <a:t>是以二进制形式描述</a:t>
-            </a:r>
-            <a:r>
-              <a:rPr lang="zh-CN" altLang="en-US" dirty="0">
-                <a:solidFill>
-                  <a:srgbClr val="151515"/>
-                </a:solidFill>
-                <a:latin typeface="+mn-ea"/>
-                <a:ea typeface="+mn-ea"/>
-              </a:rPr>
-              <a:t>。   </a:t>
-            </a:r>
-          </a:p>
-          <a:p>
-            <a:pPr algn="just">
-              <a:lnSpc>
-                <a:spcPct val="150000"/>
-              </a:lnSpc>
-            </a:pPr>
-            <a:r>
-              <a:rPr lang="zh-CN" altLang="en-US" dirty="0">
-                <a:solidFill>
-                  <a:srgbClr val="151515"/>
-                </a:solidFill>
-                <a:latin typeface="+mn-ea"/>
-                <a:ea typeface="+mn-ea"/>
-              </a:rPr>
-              <a:t>示例</a:t>
-            </a:r>
-            <a:r>
-              <a:rPr lang="en-US" altLang="zh-CN" dirty="0">
-                <a:solidFill>
-                  <a:srgbClr val="151515"/>
-                </a:solidFill>
-                <a:latin typeface="+mn-ea"/>
-                <a:ea typeface="+mn-ea"/>
-              </a:rPr>
-              <a:t>:  </a:t>
-            </a:r>
-          </a:p>
-          <a:p>
-            <a:pPr algn="just">
-              <a:lnSpc>
-                <a:spcPct val="150000"/>
-              </a:lnSpc>
-            </a:pPr>
-            <a:r>
-              <a:rPr lang="en-US" altLang="zh-CN" b="1" dirty="0">
-                <a:solidFill>
-                  <a:srgbClr val="151515"/>
-                </a:solidFill>
-                <a:latin typeface="+mn-ea"/>
-                <a:ea typeface="+mn-ea"/>
-              </a:rPr>
-              <a:t>Point</a:t>
-            </a:r>
-            <a:r>
-              <a:rPr lang="en-US" altLang="zh-CN" dirty="0">
-                <a:solidFill>
-                  <a:srgbClr val="151515"/>
-                </a:solidFill>
-                <a:latin typeface="+mn-ea"/>
-                <a:ea typeface="+mn-ea"/>
-              </a:rPr>
-              <a:t>: “POINT (100 30)”  </a:t>
-            </a:r>
-          </a:p>
-          <a:p>
-            <a:pPr algn="just">
-              <a:lnSpc>
-                <a:spcPct val="150000"/>
-              </a:lnSpc>
-            </a:pPr>
-            <a:r>
-              <a:rPr lang="en-US" altLang="zh-CN" b="1" dirty="0" err="1">
-                <a:solidFill>
-                  <a:srgbClr val="151515"/>
-                </a:solidFill>
-                <a:latin typeface="+mn-ea"/>
-                <a:ea typeface="+mn-ea"/>
-              </a:rPr>
-              <a:t>LineString</a:t>
-            </a:r>
-            <a:r>
-              <a:rPr lang="en-US" altLang="zh-CN" dirty="0">
-                <a:solidFill>
-                  <a:srgbClr val="151515"/>
-                </a:solidFill>
-                <a:latin typeface="+mn-ea"/>
-                <a:ea typeface="+mn-ea"/>
-              </a:rPr>
-              <a:t>:</a:t>
-            </a:r>
-            <a:r>
-              <a:rPr lang="en-US" altLang="zh-CN" sz="2200" dirty="0">
-                <a:solidFill>
-                  <a:srgbClr val="151515"/>
-                </a:solidFill>
-                <a:latin typeface="+mn-ea"/>
-                <a:ea typeface="+mn-ea"/>
-              </a:rPr>
-              <a:t>“LINESTRING (120 10, 100 30, 90 20, 70 40) ”  </a:t>
-            </a:r>
-          </a:p>
-          <a:p>
-            <a:pPr algn="just">
-              <a:lnSpc>
-                <a:spcPct val="150000"/>
-              </a:lnSpc>
-            </a:pPr>
-            <a:r>
-              <a:rPr lang="en-US" altLang="zh-CN" b="1" dirty="0">
-                <a:solidFill>
-                  <a:srgbClr val="151515"/>
-                </a:solidFill>
-                <a:latin typeface="+mn-ea"/>
-                <a:ea typeface="+mn-ea"/>
-              </a:rPr>
-              <a:t>Polygon</a:t>
-            </a:r>
-            <a:r>
-              <a:rPr lang="en-US" altLang="zh-CN" dirty="0">
-                <a:solidFill>
-                  <a:srgbClr val="151515"/>
-                </a:solidFill>
-                <a:latin typeface="+mn-ea"/>
-                <a:ea typeface="+mn-ea"/>
-              </a:rPr>
-              <a:t>: </a:t>
-            </a:r>
-            <a:r>
-              <a:rPr lang="en-US" altLang="zh-CN" sz="2000" dirty="0">
-                <a:solidFill>
-                  <a:srgbClr val="151515"/>
-                </a:solidFill>
-                <a:latin typeface="+mn-ea"/>
-                <a:ea typeface="+mn-ea"/>
-              </a:rPr>
-              <a:t>“POLYGON ((130 10, -140 40, 120 40, 110 20, 115 10))”  </a:t>
-            </a:r>
-          </a:p>
-        </p:txBody>
-      </p:sp>
-    </p:spTree>
-    <p:extLst>
-      <p:ext uri="{BB962C8B-B14F-4D97-AF65-F5344CB8AC3E}">
-        <p14:creationId xmlns:p14="http://schemas.microsoft.com/office/powerpoint/2010/main" val="1418701612"/>
-      </p:ext>
-    </p:extLst>
-  </p:cSld>
-  <p:clrMapOvr>
-    <a:masterClrMapping/>
-  </p:clrMapOvr>
-  <p:transition>
-    <p:fade/>
-  </p:transition>
-</p:sld>
-</file>
-
-<file path=ppt/slides/slide22.xml><?xml version="1.0" encoding="utf-8"?>
-<p:sld xmlns:a="http://schemas.openxmlformats.org/drawingml/2006/main" xmlns:r="http://schemas.openxmlformats.org/officeDocument/2006/relationships" xmlns:p="http://schemas.openxmlformats.org/presentationml/2006/main">
-  <p:cSld>
-    <p:spTree>
-      <p:nvGrpSpPr>
-        <p:cNvPr id="1" name=""/>
-        <p:cNvGrpSpPr/>
-        <p:nvPr/>
-      </p:nvGrpSpPr>
-      <p:grpSpPr>
-        <a:xfrm>
-          <a:off x="0" y="0"/>
-          <a:ext cx="0" cy="0"/>
-          <a:chOff x="0" y="0"/>
-          <a:chExt cx="0" cy="0"/>
-        </a:xfrm>
-      </p:grpSpPr>
-      <p:sp>
-        <p:nvSpPr>
-          <p:cNvPr id="3" name="标题 2"/>
-          <p:cNvSpPr>
-            <a:spLocks noGrp="1"/>
-          </p:cNvSpPr>
-          <p:nvPr>
-            <p:ph type="title"/>
-          </p:nvPr>
-        </p:nvSpPr>
-        <p:spPr>
-          <a:xfrm>
             <a:off x="0" y="8526"/>
             <a:ext cx="9013371" cy="792162"/>
           </a:xfrm>
@@ -23570,7 +23405,7 @@
 </p:sld>
 </file>
 
-<file path=ppt/slides/slide23.xml><?xml version="1.0" encoding="utf-8"?>
+<file path=ppt/slides/slide22.xml><?xml version="1.0" encoding="utf-8"?>
 <p:sld xmlns:a="http://schemas.openxmlformats.org/drawingml/2006/main" xmlns:r="http://schemas.openxmlformats.org/officeDocument/2006/relationships" xmlns:p="http://schemas.openxmlformats.org/presentationml/2006/main">
   <p:cSld>
     <p:spTree>
